--- a/02_aulas/04 - configurando o ambiente R e GitHub.pptx
+++ b/02_aulas/04 - configurando o ambiente R e GitHub.pptx
@@ -5,7 +5,7 @@
     <p:sldMasterId id="2147483648" r:id="rId1"/>
   </p:sldMasterIdLst>
   <p:notesMasterIdLst>
-    <p:notesMasterId r:id="rId16"/>
+    <p:notesMasterId r:id="rId32"/>
   </p:notesMasterIdLst>
   <p:sldIdLst>
     <p:sldId id="256" r:id="rId2"/>
@@ -22,6 +22,22 @@
     <p:sldId id="271" r:id="rId13"/>
     <p:sldId id="265" r:id="rId14"/>
     <p:sldId id="267" r:id="rId15"/>
+    <p:sldId id="276" r:id="rId16"/>
+    <p:sldId id="277" r:id="rId17"/>
+    <p:sldId id="278" r:id="rId18"/>
+    <p:sldId id="279" r:id="rId19"/>
+    <p:sldId id="280" r:id="rId20"/>
+    <p:sldId id="281" r:id="rId21"/>
+    <p:sldId id="282" r:id="rId22"/>
+    <p:sldId id="283" r:id="rId23"/>
+    <p:sldId id="284" r:id="rId24"/>
+    <p:sldId id="272" r:id="rId25"/>
+    <p:sldId id="273" r:id="rId26"/>
+    <p:sldId id="274" r:id="rId27"/>
+    <p:sldId id="285" r:id="rId28"/>
+    <p:sldId id="288" r:id="rId29"/>
+    <p:sldId id="287" r:id="rId30"/>
+    <p:sldId id="286" r:id="rId31"/>
   </p:sldIdLst>
   <p:sldSz cx="12192000" cy="6858000"/>
   <p:notesSz cx="6858000" cy="9144000"/>
@@ -210,7 +226,7 @@
           <a:p>
             <a:fld id="{FB529467-8579-4FA0-8669-C9CFBABA9C31}" type="datetimeFigureOut">
               <a:rPr lang="en-US" smtClean="0"/>
-              <a:t>12/24/2025</a:t>
+              <a:t>12/25/2025</a:t>
             </a:fld>
             <a:endParaRPr lang="en-US"/>
           </a:p>
@@ -627,7 +643,7 @@
           <a:p>
             <a:fld id="{C780E58C-7D0A-4DCB-B57B-A443E264A768}" type="datetime1">
               <a:rPr lang="en-US" smtClean="0"/>
-              <a:t>12/24/2025</a:t>
+              <a:t>12/25/2025</a:t>
             </a:fld>
             <a:endParaRPr lang="en-US"/>
           </a:p>
@@ -827,7 +843,7 @@
           <a:p>
             <a:fld id="{B8CAB9D2-FAD5-4B84-8204-D913C64D43B0}" type="datetime1">
               <a:rPr lang="en-US" smtClean="0"/>
-              <a:t>12/24/2025</a:t>
+              <a:t>12/25/2025</a:t>
             </a:fld>
             <a:endParaRPr lang="en-US"/>
           </a:p>
@@ -1037,7 +1053,7 @@
           <a:p>
             <a:fld id="{3F0721C3-F5C8-40D1-B84E-588D1A29565B}" type="datetime1">
               <a:rPr lang="en-US" smtClean="0"/>
-              <a:t>12/24/2025</a:t>
+              <a:t>12/25/2025</a:t>
             </a:fld>
             <a:endParaRPr lang="en-US"/>
           </a:p>
@@ -1237,7 +1253,7 @@
           <a:p>
             <a:fld id="{3F3A27A5-40BD-415A-BF23-4B69539A0572}" type="datetime1">
               <a:rPr lang="en-US" smtClean="0"/>
-              <a:t>12/24/2025</a:t>
+              <a:t>12/25/2025</a:t>
             </a:fld>
             <a:endParaRPr lang="en-US"/>
           </a:p>
@@ -1513,7 +1529,7 @@
           <a:p>
             <a:fld id="{8072BDFC-7B55-406A-B5D7-AC65E7DE3A6E}" type="datetime1">
               <a:rPr lang="en-US" smtClean="0"/>
-              <a:t>12/24/2025</a:t>
+              <a:t>12/25/2025</a:t>
             </a:fld>
             <a:endParaRPr lang="en-US"/>
           </a:p>
@@ -1781,7 +1797,7 @@
           <a:p>
             <a:fld id="{4C0955DF-5092-435A-8356-53F36D338F9B}" type="datetime1">
               <a:rPr lang="en-US" smtClean="0"/>
-              <a:t>12/24/2025</a:t>
+              <a:t>12/25/2025</a:t>
             </a:fld>
             <a:endParaRPr lang="en-US"/>
           </a:p>
@@ -2196,7 +2212,7 @@
           <a:p>
             <a:fld id="{5047FD32-A186-445C-BBAD-F11C8740C465}" type="datetime1">
               <a:rPr lang="en-US" smtClean="0"/>
-              <a:t>12/24/2025</a:t>
+              <a:t>12/25/2025</a:t>
             </a:fld>
             <a:endParaRPr lang="en-US"/>
           </a:p>
@@ -2338,7 +2354,7 @@
           <a:p>
             <a:fld id="{5ABEF75D-20B9-4B8B-8A0F-815FE4C30389}" type="datetime1">
               <a:rPr lang="en-US" smtClean="0"/>
-              <a:t>12/24/2025</a:t>
+              <a:t>12/25/2025</a:t>
             </a:fld>
             <a:endParaRPr lang="en-US"/>
           </a:p>
@@ -2451,7 +2467,7 @@
           <a:p>
             <a:fld id="{3C14DE1A-19C8-417E-A525-6AABF6C474FE}" type="datetime1">
               <a:rPr lang="en-US" smtClean="0"/>
-              <a:t>12/24/2025</a:t>
+              <a:t>12/25/2025</a:t>
             </a:fld>
             <a:endParaRPr lang="en-US"/>
           </a:p>
@@ -2764,7 +2780,7 @@
           <a:p>
             <a:fld id="{555BCFDB-D55B-43A4-96B1-1819A1BFD488}" type="datetime1">
               <a:rPr lang="en-US" smtClean="0"/>
-              <a:t>12/24/2025</a:t>
+              <a:t>12/25/2025</a:t>
             </a:fld>
             <a:endParaRPr lang="en-US"/>
           </a:p>
@@ -3053,7 +3069,7 @@
           <a:p>
             <a:fld id="{EDB4FAD9-7B10-4DDA-B862-4403C3EF85BA}" type="datetime1">
               <a:rPr lang="en-US" smtClean="0"/>
-              <a:t>12/24/2025</a:t>
+              <a:t>12/25/2025</a:t>
             </a:fld>
             <a:endParaRPr lang="en-US"/>
           </a:p>
@@ -3296,7 +3312,7 @@
           <a:p>
             <a:fld id="{7811B9A6-A462-4F44-8586-F7218A54EFA3}" type="datetime1">
               <a:rPr lang="en-US" smtClean="0"/>
-              <a:t>12/24/2025</a:t>
+              <a:t>12/25/2025</a:t>
             </a:fld>
             <a:endParaRPr lang="en-US"/>
           </a:p>
@@ -5868,6 +5884,1203 @@
 </p:sld>
 </file>
 
+<file path=ppt/slides/slide15.xml><?xml version="1.0" encoding="utf-8"?>
+<p:sld xmlns:a="http://schemas.openxmlformats.org/drawingml/2006/main" xmlns:r="http://schemas.openxmlformats.org/officeDocument/2006/relationships" xmlns:p="http://schemas.openxmlformats.org/presentationml/2006/main">
+  <p:cSld>
+    <p:spTree>
+      <p:nvGrpSpPr>
+        <p:cNvPr id="1" name="">
+          <a:extLst>
+            <a:ext uri="{FF2B5EF4-FFF2-40B4-BE49-F238E27FC236}">
+              <a16:creationId xmlns:a16="http://schemas.microsoft.com/office/drawing/2014/main" id="{C8630A0E-14F6-F93A-3FA1-579D9DDE1276}"/>
+            </a:ext>
+          </a:extLst>
+        </p:cNvPr>
+        <p:cNvGrpSpPr/>
+        <p:nvPr/>
+      </p:nvGrpSpPr>
+      <p:grpSpPr>
+        <a:xfrm>
+          <a:off x="0" y="0"/>
+          <a:ext cx="0" cy="0"/>
+          <a:chOff x="0" y="0"/>
+          <a:chExt cx="0" cy="0"/>
+        </a:xfrm>
+      </p:grpSpPr>
+      <p:sp>
+        <p:nvSpPr>
+          <p:cNvPr id="2" name="Título 1">
+            <a:extLst>
+              <a:ext uri="{FF2B5EF4-FFF2-40B4-BE49-F238E27FC236}">
+                <a16:creationId xmlns:a16="http://schemas.microsoft.com/office/drawing/2014/main" id="{956CEDCC-2615-C840-6A21-EC78B93FD901}"/>
+              </a:ext>
+            </a:extLst>
+          </p:cNvPr>
+          <p:cNvSpPr>
+            <a:spLocks noGrp="1"/>
+          </p:cNvSpPr>
+          <p:nvPr>
+            <p:ph type="title"/>
+          </p:nvPr>
+        </p:nvSpPr>
+        <p:spPr>
+          <a:xfrm>
+            <a:off x="0" y="0"/>
+            <a:ext cx="5523271" cy="931739"/>
+          </a:xfrm>
+        </p:spPr>
+        <p:txBody>
+          <a:bodyPr>
+            <a:normAutofit/>
+          </a:bodyPr>
+          <a:lstStyle/>
+          <a:p>
+            <a:r>
+              <a:rPr lang="en-US" b="1" dirty="0" err="1">
+                <a:solidFill>
+                  <a:srgbClr val="6E4F8A"/>
+                </a:solidFill>
+              </a:rPr>
+              <a:t>Instalando</a:t>
+            </a:r>
+            <a:r>
+              <a:rPr lang="en-US" b="1" dirty="0">
+                <a:solidFill>
+                  <a:srgbClr val="6E4F8A"/>
+                </a:solidFill>
+              </a:rPr>
+              <a:t> Git</a:t>
+            </a:r>
+          </a:p>
+        </p:txBody>
+      </p:sp>
+      <p:sp>
+        <p:nvSpPr>
+          <p:cNvPr id="13" name="Espaço Reservado para Número de Slide 12">
+            <a:extLst>
+              <a:ext uri="{FF2B5EF4-FFF2-40B4-BE49-F238E27FC236}">
+                <a16:creationId xmlns:a16="http://schemas.microsoft.com/office/drawing/2014/main" id="{A733B97D-B984-3020-EFFF-5A1CB4373E84}"/>
+              </a:ext>
+            </a:extLst>
+          </p:cNvPr>
+          <p:cNvSpPr>
+            <a:spLocks noGrp="1"/>
+          </p:cNvSpPr>
+          <p:nvPr>
+            <p:ph type="sldNum" sz="quarter" idx="12"/>
+          </p:nvPr>
+        </p:nvSpPr>
+        <p:spPr/>
+        <p:txBody>
+          <a:bodyPr/>
+          <a:lstStyle/>
+          <a:p>
+            <a:fld id="{79B5B39C-3780-455C-80CA-14351220CBC6}" type="slidenum">
+              <a:rPr lang="en-US" smtClean="0"/>
+              <a:t>15</a:t>
+            </a:fld>
+            <a:endParaRPr lang="en-US"/>
+          </a:p>
+        </p:txBody>
+      </p:sp>
+      <p:pic>
+        <p:nvPicPr>
+          <p:cNvPr id="6" name="Imagem 5" descr="Interface gráfica do usuário, Texto&#10;&#10;O conteúdo gerado por IA pode estar incorreto.">
+            <a:extLst>
+              <a:ext uri="{FF2B5EF4-FFF2-40B4-BE49-F238E27FC236}">
+                <a16:creationId xmlns:a16="http://schemas.microsoft.com/office/drawing/2014/main" id="{8D45A747-67A2-DE16-E405-C32A1922F722}"/>
+              </a:ext>
+            </a:extLst>
+          </p:cNvPr>
+          <p:cNvPicPr>
+            <a:picLocks noChangeAspect="1"/>
+          </p:cNvPicPr>
+          <p:nvPr/>
+        </p:nvPicPr>
+        <p:blipFill>
+          <a:blip r:embed="rId2">
+            <a:extLst>
+              <a:ext uri="{28A0092B-C50C-407E-A947-70E740481C1C}">
+                <a14:useLocalDpi xmlns:a14="http://schemas.microsoft.com/office/drawing/2010/main" val="0"/>
+              </a:ext>
+            </a:extLst>
+          </a:blip>
+          <a:stretch>
+            <a:fillRect/>
+          </a:stretch>
+        </p:blipFill>
+        <p:spPr>
+          <a:xfrm>
+            <a:off x="3100848" y="851893"/>
+            <a:ext cx="5990303" cy="5667509"/>
+          </a:xfrm>
+          <a:prstGeom prst="rect">
+            <a:avLst/>
+          </a:prstGeom>
+        </p:spPr>
+      </p:pic>
+      <p:sp>
+        <p:nvSpPr>
+          <p:cNvPr id="3" name="Espaço Reservado para Conteúdo 2">
+            <a:extLst>
+              <a:ext uri="{FF2B5EF4-FFF2-40B4-BE49-F238E27FC236}">
+                <a16:creationId xmlns:a16="http://schemas.microsoft.com/office/drawing/2014/main" id="{8D0ECD72-119E-9DAC-F0D2-F123318CF351}"/>
+              </a:ext>
+            </a:extLst>
+          </p:cNvPr>
+          <p:cNvSpPr>
+            <a:spLocks noGrp="1"/>
+          </p:cNvSpPr>
+          <p:nvPr>
+            <p:ph idx="1"/>
+          </p:nvPr>
+        </p:nvSpPr>
+        <p:spPr>
+          <a:xfrm>
+            <a:off x="3100848" y="6519402"/>
+            <a:ext cx="3562965" cy="338598"/>
+          </a:xfrm>
+        </p:spPr>
+        <p:txBody>
+          <a:bodyPr>
+            <a:normAutofit/>
+          </a:bodyPr>
+          <a:lstStyle/>
+          <a:p>
+            <a:pPr marL="0" indent="0">
+              <a:buNone/>
+            </a:pPr>
+            <a:r>
+              <a:rPr lang="en-US" sz="1600" dirty="0">
+                <a:hlinkClick r:id="rId3"/>
+              </a:rPr>
+              <a:t>https://git-scm.com/install/windows</a:t>
+            </a:r>
+            <a:endParaRPr lang="en-US" sz="1600" dirty="0"/>
+          </a:p>
+        </p:txBody>
+      </p:sp>
+      <p:sp>
+        <p:nvSpPr>
+          <p:cNvPr id="4" name="Retângulo 3">
+            <a:extLst>
+              <a:ext uri="{FF2B5EF4-FFF2-40B4-BE49-F238E27FC236}">
+                <a16:creationId xmlns:a16="http://schemas.microsoft.com/office/drawing/2014/main" id="{726798CC-3596-F6CB-3198-B91CF4277198}"/>
+              </a:ext>
+            </a:extLst>
+          </p:cNvPr>
+          <p:cNvSpPr/>
+          <p:nvPr/>
+        </p:nvSpPr>
+        <p:spPr>
+          <a:xfrm>
+            <a:off x="4758708" y="3028841"/>
+            <a:ext cx="1337292" cy="146978"/>
+          </a:xfrm>
+          <a:prstGeom prst="rect">
+            <a:avLst/>
+          </a:prstGeom>
+          <a:noFill/>
+          <a:ln>
+            <a:solidFill>
+              <a:srgbClr val="FF0000"/>
+            </a:solidFill>
+          </a:ln>
+        </p:spPr>
+        <p:style>
+          <a:lnRef idx="2">
+            <a:schemeClr val="accent1">
+              <a:shade val="15000"/>
+            </a:schemeClr>
+          </a:lnRef>
+          <a:fillRef idx="1">
+            <a:schemeClr val="accent1"/>
+          </a:fillRef>
+          <a:effectRef idx="0">
+            <a:schemeClr val="accent1"/>
+          </a:effectRef>
+          <a:fontRef idx="minor">
+            <a:schemeClr val="lt1"/>
+          </a:fontRef>
+        </p:style>
+        <p:txBody>
+          <a:bodyPr rtlCol="0" anchor="ctr"/>
+          <a:lstStyle/>
+          <a:p>
+            <a:pPr algn="ctr"/>
+            <a:endParaRPr lang="en-US"/>
+          </a:p>
+        </p:txBody>
+      </p:sp>
+    </p:spTree>
+    <p:extLst>
+      <p:ext uri="{BB962C8B-B14F-4D97-AF65-F5344CB8AC3E}">
+        <p14:creationId xmlns:p14="http://schemas.microsoft.com/office/powerpoint/2010/main" val="2705815998"/>
+      </p:ext>
+    </p:extLst>
+  </p:cSld>
+  <p:clrMapOvr>
+    <a:masterClrMapping/>
+  </p:clrMapOvr>
+</p:sld>
+</file>
+
+<file path=ppt/slides/slide16.xml><?xml version="1.0" encoding="utf-8"?>
+<p:sld xmlns:a="http://schemas.openxmlformats.org/drawingml/2006/main" xmlns:r="http://schemas.openxmlformats.org/officeDocument/2006/relationships" xmlns:p="http://schemas.openxmlformats.org/presentationml/2006/main">
+  <p:cSld>
+    <p:spTree>
+      <p:nvGrpSpPr>
+        <p:cNvPr id="1" name="">
+          <a:extLst>
+            <a:ext uri="{FF2B5EF4-FFF2-40B4-BE49-F238E27FC236}">
+              <a16:creationId xmlns:a16="http://schemas.microsoft.com/office/drawing/2014/main" id="{6C3C731D-01B3-228B-97D1-481BAD5C1AEC}"/>
+            </a:ext>
+          </a:extLst>
+        </p:cNvPr>
+        <p:cNvGrpSpPr/>
+        <p:nvPr/>
+      </p:nvGrpSpPr>
+      <p:grpSpPr>
+        <a:xfrm>
+          <a:off x="0" y="0"/>
+          <a:ext cx="0" cy="0"/>
+          <a:chOff x="0" y="0"/>
+          <a:chExt cx="0" cy="0"/>
+        </a:xfrm>
+      </p:grpSpPr>
+      <p:sp>
+        <p:nvSpPr>
+          <p:cNvPr id="2" name="Título 1">
+            <a:extLst>
+              <a:ext uri="{FF2B5EF4-FFF2-40B4-BE49-F238E27FC236}">
+                <a16:creationId xmlns:a16="http://schemas.microsoft.com/office/drawing/2014/main" id="{056308F3-F348-04E7-07F9-B49277A60361}"/>
+              </a:ext>
+            </a:extLst>
+          </p:cNvPr>
+          <p:cNvSpPr>
+            <a:spLocks noGrp="1"/>
+          </p:cNvSpPr>
+          <p:nvPr>
+            <p:ph type="title"/>
+          </p:nvPr>
+        </p:nvSpPr>
+        <p:spPr>
+          <a:xfrm>
+            <a:off x="0" y="0"/>
+            <a:ext cx="5523271" cy="931739"/>
+          </a:xfrm>
+        </p:spPr>
+        <p:txBody>
+          <a:bodyPr>
+            <a:normAutofit/>
+          </a:bodyPr>
+          <a:lstStyle/>
+          <a:p>
+            <a:r>
+              <a:rPr lang="en-US" b="1" dirty="0" err="1">
+                <a:solidFill>
+                  <a:srgbClr val="6E4F8A"/>
+                </a:solidFill>
+              </a:rPr>
+              <a:t>Instalando</a:t>
+            </a:r>
+            <a:r>
+              <a:rPr lang="en-US" b="1" dirty="0">
+                <a:solidFill>
+                  <a:srgbClr val="6E4F8A"/>
+                </a:solidFill>
+              </a:rPr>
+              <a:t> Git</a:t>
+            </a:r>
+          </a:p>
+        </p:txBody>
+      </p:sp>
+      <p:sp>
+        <p:nvSpPr>
+          <p:cNvPr id="13" name="Espaço Reservado para Número de Slide 12">
+            <a:extLst>
+              <a:ext uri="{FF2B5EF4-FFF2-40B4-BE49-F238E27FC236}">
+                <a16:creationId xmlns:a16="http://schemas.microsoft.com/office/drawing/2014/main" id="{6C385526-019E-D371-747A-880FF1F1A44E}"/>
+              </a:ext>
+            </a:extLst>
+          </p:cNvPr>
+          <p:cNvSpPr>
+            <a:spLocks noGrp="1"/>
+          </p:cNvSpPr>
+          <p:nvPr>
+            <p:ph type="sldNum" sz="quarter" idx="12"/>
+          </p:nvPr>
+        </p:nvSpPr>
+        <p:spPr/>
+        <p:txBody>
+          <a:bodyPr/>
+          <a:lstStyle/>
+          <a:p>
+            <a:fld id="{79B5B39C-3780-455C-80CA-14351220CBC6}" type="slidenum">
+              <a:rPr lang="en-US" smtClean="0"/>
+              <a:t>16</a:t>
+            </a:fld>
+            <a:endParaRPr lang="en-US"/>
+          </a:p>
+        </p:txBody>
+      </p:sp>
+      <p:pic>
+        <p:nvPicPr>
+          <p:cNvPr id="9" name="Imagem 8" descr="Interface gráfica do usuário, Aplicativo, Teams&#10;&#10;O conteúdo gerado por IA pode estar incorreto.">
+            <a:extLst>
+              <a:ext uri="{FF2B5EF4-FFF2-40B4-BE49-F238E27FC236}">
+                <a16:creationId xmlns:a16="http://schemas.microsoft.com/office/drawing/2014/main" id="{14C6F494-30FA-0A6B-42B4-23738BFB29EB}"/>
+              </a:ext>
+            </a:extLst>
+          </p:cNvPr>
+          <p:cNvPicPr>
+            <a:picLocks noChangeAspect="1"/>
+          </p:cNvPicPr>
+          <p:nvPr/>
+        </p:nvPicPr>
+        <p:blipFill>
+          <a:blip r:embed="rId2">
+            <a:extLst>
+              <a:ext uri="{28A0092B-C50C-407E-A947-70E740481C1C}">
+                <a14:useLocalDpi xmlns:a14="http://schemas.microsoft.com/office/drawing/2010/main" val="0"/>
+              </a:ext>
+            </a:extLst>
+          </a:blip>
+          <a:stretch>
+            <a:fillRect/>
+          </a:stretch>
+        </p:blipFill>
+        <p:spPr>
+          <a:xfrm>
+            <a:off x="3042811" y="318653"/>
+            <a:ext cx="6106377" cy="6220693"/>
+          </a:xfrm>
+          <a:prstGeom prst="rect">
+            <a:avLst/>
+          </a:prstGeom>
+        </p:spPr>
+      </p:pic>
+      <p:sp>
+        <p:nvSpPr>
+          <p:cNvPr id="10" name="Retângulo 9">
+            <a:extLst>
+              <a:ext uri="{FF2B5EF4-FFF2-40B4-BE49-F238E27FC236}">
+                <a16:creationId xmlns:a16="http://schemas.microsoft.com/office/drawing/2014/main" id="{164A86F9-20DA-DAF2-C0BB-F594EE94D26B}"/>
+              </a:ext>
+            </a:extLst>
+          </p:cNvPr>
+          <p:cNvSpPr/>
+          <p:nvPr/>
+        </p:nvSpPr>
+        <p:spPr>
+          <a:xfrm>
+            <a:off x="5348643" y="3038673"/>
+            <a:ext cx="560544" cy="589430"/>
+          </a:xfrm>
+          <a:prstGeom prst="rect">
+            <a:avLst/>
+          </a:prstGeom>
+          <a:noFill/>
+          <a:ln>
+            <a:solidFill>
+              <a:srgbClr val="FF0000"/>
+            </a:solidFill>
+          </a:ln>
+        </p:spPr>
+        <p:style>
+          <a:lnRef idx="2">
+            <a:schemeClr val="accent1">
+              <a:shade val="15000"/>
+            </a:schemeClr>
+          </a:lnRef>
+          <a:fillRef idx="1">
+            <a:schemeClr val="accent1"/>
+          </a:fillRef>
+          <a:effectRef idx="0">
+            <a:schemeClr val="accent1"/>
+          </a:effectRef>
+          <a:fontRef idx="minor">
+            <a:schemeClr val="lt1"/>
+          </a:fontRef>
+        </p:style>
+        <p:txBody>
+          <a:bodyPr rtlCol="0" anchor="ctr"/>
+          <a:lstStyle/>
+          <a:p>
+            <a:pPr algn="ctr"/>
+            <a:endParaRPr lang="en-US"/>
+          </a:p>
+        </p:txBody>
+      </p:sp>
+    </p:spTree>
+    <p:extLst>
+      <p:ext uri="{BB962C8B-B14F-4D97-AF65-F5344CB8AC3E}">
+        <p14:creationId xmlns:p14="http://schemas.microsoft.com/office/powerpoint/2010/main" val="1395270297"/>
+      </p:ext>
+    </p:extLst>
+  </p:cSld>
+  <p:clrMapOvr>
+    <a:masterClrMapping/>
+  </p:clrMapOvr>
+</p:sld>
+</file>
+
+<file path=ppt/slides/slide17.xml><?xml version="1.0" encoding="utf-8"?>
+<p:sld xmlns:a="http://schemas.openxmlformats.org/drawingml/2006/main" xmlns:r="http://schemas.openxmlformats.org/officeDocument/2006/relationships" xmlns:p="http://schemas.openxmlformats.org/presentationml/2006/main">
+  <p:cSld>
+    <p:spTree>
+      <p:nvGrpSpPr>
+        <p:cNvPr id="1" name="">
+          <a:extLst>
+            <a:ext uri="{FF2B5EF4-FFF2-40B4-BE49-F238E27FC236}">
+              <a16:creationId xmlns:a16="http://schemas.microsoft.com/office/drawing/2014/main" id="{444E0AA3-1E56-8C6A-2D5A-228F82E94297}"/>
+            </a:ext>
+          </a:extLst>
+        </p:cNvPr>
+        <p:cNvGrpSpPr/>
+        <p:nvPr/>
+      </p:nvGrpSpPr>
+      <p:grpSpPr>
+        <a:xfrm>
+          <a:off x="0" y="0"/>
+          <a:ext cx="0" cy="0"/>
+          <a:chOff x="0" y="0"/>
+          <a:chExt cx="0" cy="0"/>
+        </a:xfrm>
+      </p:grpSpPr>
+      <p:sp>
+        <p:nvSpPr>
+          <p:cNvPr id="2" name="Título 1">
+            <a:extLst>
+              <a:ext uri="{FF2B5EF4-FFF2-40B4-BE49-F238E27FC236}">
+                <a16:creationId xmlns:a16="http://schemas.microsoft.com/office/drawing/2014/main" id="{60C47C56-539D-1F93-E905-0952986DAA19}"/>
+              </a:ext>
+            </a:extLst>
+          </p:cNvPr>
+          <p:cNvSpPr>
+            <a:spLocks noGrp="1"/>
+          </p:cNvSpPr>
+          <p:nvPr>
+            <p:ph type="title"/>
+          </p:nvPr>
+        </p:nvSpPr>
+        <p:spPr>
+          <a:xfrm>
+            <a:off x="0" y="0"/>
+            <a:ext cx="5523271" cy="931739"/>
+          </a:xfrm>
+        </p:spPr>
+        <p:txBody>
+          <a:bodyPr>
+            <a:normAutofit/>
+          </a:bodyPr>
+          <a:lstStyle/>
+          <a:p>
+            <a:r>
+              <a:rPr lang="en-US" b="1" dirty="0" err="1">
+                <a:solidFill>
+                  <a:srgbClr val="6E4F8A"/>
+                </a:solidFill>
+              </a:rPr>
+              <a:t>Instalando</a:t>
+            </a:r>
+            <a:r>
+              <a:rPr lang="en-US" b="1" dirty="0">
+                <a:solidFill>
+                  <a:srgbClr val="6E4F8A"/>
+                </a:solidFill>
+              </a:rPr>
+              <a:t> Git</a:t>
+            </a:r>
+          </a:p>
+        </p:txBody>
+      </p:sp>
+      <p:sp>
+        <p:nvSpPr>
+          <p:cNvPr id="13" name="Espaço Reservado para Número de Slide 12">
+            <a:extLst>
+              <a:ext uri="{FF2B5EF4-FFF2-40B4-BE49-F238E27FC236}">
+                <a16:creationId xmlns:a16="http://schemas.microsoft.com/office/drawing/2014/main" id="{1D152F1A-8C38-E962-C8D0-B5245920552D}"/>
+              </a:ext>
+            </a:extLst>
+          </p:cNvPr>
+          <p:cNvSpPr>
+            <a:spLocks noGrp="1"/>
+          </p:cNvSpPr>
+          <p:nvPr>
+            <p:ph type="sldNum" sz="quarter" idx="12"/>
+          </p:nvPr>
+        </p:nvSpPr>
+        <p:spPr/>
+        <p:txBody>
+          <a:bodyPr/>
+          <a:lstStyle/>
+          <a:p>
+            <a:fld id="{79B5B39C-3780-455C-80CA-14351220CBC6}" type="slidenum">
+              <a:rPr lang="en-US" smtClean="0"/>
+              <a:t>17</a:t>
+            </a:fld>
+            <a:endParaRPr lang="en-US"/>
+          </a:p>
+        </p:txBody>
+      </p:sp>
+      <p:pic>
+        <p:nvPicPr>
+          <p:cNvPr id="4" name="Imagem 3" descr="Texto&#10;&#10;O conteúdo gerado por IA pode estar incorreto.">
+            <a:extLst>
+              <a:ext uri="{FF2B5EF4-FFF2-40B4-BE49-F238E27FC236}">
+                <a16:creationId xmlns:a16="http://schemas.microsoft.com/office/drawing/2014/main" id="{9202B0DB-C013-3443-8A68-19827BCFA46C}"/>
+              </a:ext>
+            </a:extLst>
+          </p:cNvPr>
+          <p:cNvPicPr>
+            <a:picLocks noChangeAspect="1"/>
+          </p:cNvPicPr>
+          <p:nvPr/>
+        </p:nvPicPr>
+        <p:blipFill>
+          <a:blip r:embed="rId2">
+            <a:extLst>
+              <a:ext uri="{28A0092B-C50C-407E-A947-70E740481C1C}">
+                <a14:useLocalDpi xmlns:a14="http://schemas.microsoft.com/office/drawing/2010/main" val="0"/>
+              </a:ext>
+            </a:extLst>
+          </a:blip>
+          <a:stretch>
+            <a:fillRect/>
+          </a:stretch>
+        </p:blipFill>
+        <p:spPr>
+          <a:xfrm>
+            <a:off x="3338127" y="1685681"/>
+            <a:ext cx="5515745" cy="3486637"/>
+          </a:xfrm>
+          <a:prstGeom prst="rect">
+            <a:avLst/>
+          </a:prstGeom>
+        </p:spPr>
+      </p:pic>
+      <p:sp>
+        <p:nvSpPr>
+          <p:cNvPr id="5" name="Retângulo 4">
+            <a:extLst>
+              <a:ext uri="{FF2B5EF4-FFF2-40B4-BE49-F238E27FC236}">
+                <a16:creationId xmlns:a16="http://schemas.microsoft.com/office/drawing/2014/main" id="{457B31D3-E2AB-964D-C29D-E1434950227E}"/>
+              </a:ext>
+            </a:extLst>
+          </p:cNvPr>
+          <p:cNvSpPr/>
+          <p:nvPr/>
+        </p:nvSpPr>
+        <p:spPr>
+          <a:xfrm>
+            <a:off x="3338126" y="2094776"/>
+            <a:ext cx="2984015" cy="304295"/>
+          </a:xfrm>
+          <a:prstGeom prst="rect">
+            <a:avLst/>
+          </a:prstGeom>
+          <a:noFill/>
+          <a:ln>
+            <a:solidFill>
+              <a:srgbClr val="FF0000"/>
+            </a:solidFill>
+          </a:ln>
+        </p:spPr>
+        <p:style>
+          <a:lnRef idx="2">
+            <a:schemeClr val="accent1">
+              <a:shade val="15000"/>
+            </a:schemeClr>
+          </a:lnRef>
+          <a:fillRef idx="1">
+            <a:schemeClr val="accent1"/>
+          </a:fillRef>
+          <a:effectRef idx="0">
+            <a:schemeClr val="accent1"/>
+          </a:effectRef>
+          <a:fontRef idx="minor">
+            <a:schemeClr val="lt1"/>
+          </a:fontRef>
+        </p:style>
+        <p:txBody>
+          <a:bodyPr rtlCol="0" anchor="ctr"/>
+          <a:lstStyle/>
+          <a:p>
+            <a:pPr algn="ctr"/>
+            <a:endParaRPr lang="en-US"/>
+          </a:p>
+        </p:txBody>
+      </p:sp>
+      <p:sp>
+        <p:nvSpPr>
+          <p:cNvPr id="6" name="Elipse 5">
+            <a:extLst>
+              <a:ext uri="{FF2B5EF4-FFF2-40B4-BE49-F238E27FC236}">
+                <a16:creationId xmlns:a16="http://schemas.microsoft.com/office/drawing/2014/main" id="{DF49B825-3EDE-0CB4-8811-669B72DFF6E4}"/>
+              </a:ext>
+            </a:extLst>
+          </p:cNvPr>
+          <p:cNvSpPr/>
+          <p:nvPr/>
+        </p:nvSpPr>
+        <p:spPr>
+          <a:xfrm>
+            <a:off x="3033905" y="2196257"/>
+            <a:ext cx="202814" cy="202814"/>
+          </a:xfrm>
+          <a:prstGeom prst="ellipse">
+            <a:avLst/>
+          </a:prstGeom>
+          <a:solidFill>
+            <a:srgbClr val="7030A0"/>
+          </a:solidFill>
+        </p:spPr>
+        <p:style>
+          <a:lnRef idx="2">
+            <a:schemeClr val="accent1">
+              <a:shade val="15000"/>
+            </a:schemeClr>
+          </a:lnRef>
+          <a:fillRef idx="1">
+            <a:schemeClr val="accent1"/>
+          </a:fillRef>
+          <a:effectRef idx="0">
+            <a:schemeClr val="accent1"/>
+          </a:effectRef>
+          <a:fontRef idx="minor">
+            <a:schemeClr val="lt1"/>
+          </a:fontRef>
+        </p:style>
+        <p:txBody>
+          <a:bodyPr rtlCol="0" anchor="ctr"/>
+          <a:lstStyle/>
+          <a:p>
+            <a:pPr algn="ctr"/>
+            <a:r>
+              <a:rPr lang="en-US" sz="1200" dirty="0"/>
+              <a:t>1</a:t>
+            </a:r>
+          </a:p>
+        </p:txBody>
+      </p:sp>
+    </p:spTree>
+    <p:extLst>
+      <p:ext uri="{BB962C8B-B14F-4D97-AF65-F5344CB8AC3E}">
+        <p14:creationId xmlns:p14="http://schemas.microsoft.com/office/powerpoint/2010/main" val="1132557989"/>
+      </p:ext>
+    </p:extLst>
+  </p:cSld>
+  <p:clrMapOvr>
+    <a:masterClrMapping/>
+  </p:clrMapOvr>
+</p:sld>
+</file>
+
+<file path=ppt/slides/slide18.xml><?xml version="1.0" encoding="utf-8"?>
+<p:sld xmlns:a="http://schemas.openxmlformats.org/drawingml/2006/main" xmlns:r="http://schemas.openxmlformats.org/officeDocument/2006/relationships" xmlns:p="http://schemas.openxmlformats.org/presentationml/2006/main">
+  <p:cSld>
+    <p:spTree>
+      <p:nvGrpSpPr>
+        <p:cNvPr id="1" name="">
+          <a:extLst>
+            <a:ext uri="{FF2B5EF4-FFF2-40B4-BE49-F238E27FC236}">
+              <a16:creationId xmlns:a16="http://schemas.microsoft.com/office/drawing/2014/main" id="{F18828E5-6E55-7D23-8A7D-3F9E4DD480C0}"/>
+            </a:ext>
+          </a:extLst>
+        </p:cNvPr>
+        <p:cNvGrpSpPr/>
+        <p:nvPr/>
+      </p:nvGrpSpPr>
+      <p:grpSpPr>
+        <a:xfrm>
+          <a:off x="0" y="0"/>
+          <a:ext cx="0" cy="0"/>
+          <a:chOff x="0" y="0"/>
+          <a:chExt cx="0" cy="0"/>
+        </a:xfrm>
+      </p:grpSpPr>
+      <p:sp>
+        <p:nvSpPr>
+          <p:cNvPr id="2" name="Título 1">
+            <a:extLst>
+              <a:ext uri="{FF2B5EF4-FFF2-40B4-BE49-F238E27FC236}">
+                <a16:creationId xmlns:a16="http://schemas.microsoft.com/office/drawing/2014/main" id="{B4A3BDA2-E225-1FCF-1E92-A548330B8CA7}"/>
+              </a:ext>
+            </a:extLst>
+          </p:cNvPr>
+          <p:cNvSpPr>
+            <a:spLocks noGrp="1"/>
+          </p:cNvSpPr>
+          <p:nvPr>
+            <p:ph type="title"/>
+          </p:nvPr>
+        </p:nvSpPr>
+        <p:spPr>
+          <a:xfrm>
+            <a:off x="0" y="0"/>
+            <a:ext cx="5523271" cy="931739"/>
+          </a:xfrm>
+        </p:spPr>
+        <p:txBody>
+          <a:bodyPr>
+            <a:normAutofit/>
+          </a:bodyPr>
+          <a:lstStyle/>
+          <a:p>
+            <a:r>
+              <a:rPr lang="en-US" b="1" dirty="0" err="1">
+                <a:solidFill>
+                  <a:srgbClr val="6E4F8A"/>
+                </a:solidFill>
+              </a:rPr>
+              <a:t>Instalando</a:t>
+            </a:r>
+            <a:r>
+              <a:rPr lang="en-US" b="1" dirty="0">
+                <a:solidFill>
+                  <a:srgbClr val="6E4F8A"/>
+                </a:solidFill>
+              </a:rPr>
+              <a:t> Git</a:t>
+            </a:r>
+          </a:p>
+        </p:txBody>
+      </p:sp>
+      <p:sp>
+        <p:nvSpPr>
+          <p:cNvPr id="13" name="Espaço Reservado para Número de Slide 12">
+            <a:extLst>
+              <a:ext uri="{FF2B5EF4-FFF2-40B4-BE49-F238E27FC236}">
+                <a16:creationId xmlns:a16="http://schemas.microsoft.com/office/drawing/2014/main" id="{9509D471-B732-DC74-27F2-3D57A9351B92}"/>
+              </a:ext>
+            </a:extLst>
+          </p:cNvPr>
+          <p:cNvSpPr>
+            <a:spLocks noGrp="1"/>
+          </p:cNvSpPr>
+          <p:nvPr>
+            <p:ph type="sldNum" sz="quarter" idx="12"/>
+          </p:nvPr>
+        </p:nvSpPr>
+        <p:spPr/>
+        <p:txBody>
+          <a:bodyPr/>
+          <a:lstStyle/>
+          <a:p>
+            <a:fld id="{79B5B39C-3780-455C-80CA-14351220CBC6}" type="slidenum">
+              <a:rPr lang="en-US" smtClean="0"/>
+              <a:t>18</a:t>
+            </a:fld>
+            <a:endParaRPr lang="en-US"/>
+          </a:p>
+        </p:txBody>
+      </p:sp>
+      <p:pic>
+        <p:nvPicPr>
+          <p:cNvPr id="4" name="Imagem 3" descr="Texto&#10;&#10;O conteúdo gerado por IA pode estar incorreto.">
+            <a:extLst>
+              <a:ext uri="{FF2B5EF4-FFF2-40B4-BE49-F238E27FC236}">
+                <a16:creationId xmlns:a16="http://schemas.microsoft.com/office/drawing/2014/main" id="{B969661D-B540-0BE2-C20A-5B561B96F814}"/>
+              </a:ext>
+            </a:extLst>
+          </p:cNvPr>
+          <p:cNvPicPr>
+            <a:picLocks noChangeAspect="1"/>
+          </p:cNvPicPr>
+          <p:nvPr/>
+        </p:nvPicPr>
+        <p:blipFill>
+          <a:blip r:embed="rId2">
+            <a:extLst>
+              <a:ext uri="{28A0092B-C50C-407E-A947-70E740481C1C}">
+                <a14:useLocalDpi xmlns:a14="http://schemas.microsoft.com/office/drawing/2010/main" val="0"/>
+              </a:ext>
+            </a:extLst>
+          </a:blip>
+          <a:stretch>
+            <a:fillRect/>
+          </a:stretch>
+        </p:blipFill>
+        <p:spPr>
+          <a:xfrm>
+            <a:off x="3338127" y="1685681"/>
+            <a:ext cx="5515745" cy="3486637"/>
+          </a:xfrm>
+          <a:prstGeom prst="rect">
+            <a:avLst/>
+          </a:prstGeom>
+        </p:spPr>
+      </p:pic>
+      <p:sp>
+        <p:nvSpPr>
+          <p:cNvPr id="3" name="Retângulo 2">
+            <a:extLst>
+              <a:ext uri="{FF2B5EF4-FFF2-40B4-BE49-F238E27FC236}">
+                <a16:creationId xmlns:a16="http://schemas.microsoft.com/office/drawing/2014/main" id="{2370AB76-3791-F68B-DBB2-A5A841E4DAAE}"/>
+              </a:ext>
+            </a:extLst>
+          </p:cNvPr>
+          <p:cNvSpPr/>
+          <p:nvPr/>
+        </p:nvSpPr>
+        <p:spPr>
+          <a:xfrm>
+            <a:off x="3338127" y="2497898"/>
+            <a:ext cx="3131499" cy="304295"/>
+          </a:xfrm>
+          <a:prstGeom prst="rect">
+            <a:avLst/>
+          </a:prstGeom>
+          <a:noFill/>
+          <a:ln>
+            <a:solidFill>
+              <a:srgbClr val="FF0000"/>
+            </a:solidFill>
+          </a:ln>
+        </p:spPr>
+        <p:style>
+          <a:lnRef idx="2">
+            <a:schemeClr val="accent1">
+              <a:shade val="15000"/>
+            </a:schemeClr>
+          </a:lnRef>
+          <a:fillRef idx="1">
+            <a:schemeClr val="accent1"/>
+          </a:fillRef>
+          <a:effectRef idx="0">
+            <a:schemeClr val="accent1"/>
+          </a:effectRef>
+          <a:fontRef idx="minor">
+            <a:schemeClr val="lt1"/>
+          </a:fontRef>
+        </p:style>
+        <p:txBody>
+          <a:bodyPr rtlCol="0" anchor="ctr"/>
+          <a:lstStyle/>
+          <a:p>
+            <a:pPr algn="ctr"/>
+            <a:endParaRPr lang="en-US"/>
+          </a:p>
+        </p:txBody>
+      </p:sp>
+      <p:sp>
+        <p:nvSpPr>
+          <p:cNvPr id="5" name="Elipse 4">
+            <a:extLst>
+              <a:ext uri="{FF2B5EF4-FFF2-40B4-BE49-F238E27FC236}">
+                <a16:creationId xmlns:a16="http://schemas.microsoft.com/office/drawing/2014/main" id="{2648B65B-B997-7770-722C-53E3B23D1615}"/>
+              </a:ext>
+            </a:extLst>
+          </p:cNvPr>
+          <p:cNvSpPr/>
+          <p:nvPr/>
+        </p:nvSpPr>
+        <p:spPr>
+          <a:xfrm>
+            <a:off x="3033905" y="2548638"/>
+            <a:ext cx="202814" cy="202814"/>
+          </a:xfrm>
+          <a:prstGeom prst="ellipse">
+            <a:avLst/>
+          </a:prstGeom>
+          <a:solidFill>
+            <a:srgbClr val="7030A0"/>
+          </a:solidFill>
+        </p:spPr>
+        <p:style>
+          <a:lnRef idx="2">
+            <a:schemeClr val="accent1">
+              <a:shade val="15000"/>
+            </a:schemeClr>
+          </a:lnRef>
+          <a:fillRef idx="1">
+            <a:schemeClr val="accent1"/>
+          </a:fillRef>
+          <a:effectRef idx="0">
+            <a:schemeClr val="accent1"/>
+          </a:effectRef>
+          <a:fontRef idx="minor">
+            <a:schemeClr val="lt1"/>
+          </a:fontRef>
+        </p:style>
+        <p:txBody>
+          <a:bodyPr rtlCol="0" anchor="ctr"/>
+          <a:lstStyle/>
+          <a:p>
+            <a:pPr algn="ctr"/>
+            <a:r>
+              <a:rPr lang="en-US" sz="1200" dirty="0"/>
+              <a:t>2</a:t>
+            </a:r>
+          </a:p>
+        </p:txBody>
+      </p:sp>
+    </p:spTree>
+    <p:extLst>
+      <p:ext uri="{BB962C8B-B14F-4D97-AF65-F5344CB8AC3E}">
+        <p14:creationId xmlns:p14="http://schemas.microsoft.com/office/powerpoint/2010/main" val="3526558229"/>
+      </p:ext>
+    </p:extLst>
+  </p:cSld>
+  <p:clrMapOvr>
+    <a:masterClrMapping/>
+  </p:clrMapOvr>
+</p:sld>
+</file>
+
+<file path=ppt/slides/slide19.xml><?xml version="1.0" encoding="utf-8"?>
+<p:sld xmlns:a="http://schemas.openxmlformats.org/drawingml/2006/main" xmlns:r="http://schemas.openxmlformats.org/officeDocument/2006/relationships" xmlns:p="http://schemas.openxmlformats.org/presentationml/2006/main">
+  <p:cSld>
+    <p:spTree>
+      <p:nvGrpSpPr>
+        <p:cNvPr id="1" name="">
+          <a:extLst>
+            <a:ext uri="{FF2B5EF4-FFF2-40B4-BE49-F238E27FC236}">
+              <a16:creationId xmlns:a16="http://schemas.microsoft.com/office/drawing/2014/main" id="{072FA7FB-5EDC-368A-720A-4686552DB15E}"/>
+            </a:ext>
+          </a:extLst>
+        </p:cNvPr>
+        <p:cNvGrpSpPr/>
+        <p:nvPr/>
+      </p:nvGrpSpPr>
+      <p:grpSpPr>
+        <a:xfrm>
+          <a:off x="0" y="0"/>
+          <a:ext cx="0" cy="0"/>
+          <a:chOff x="0" y="0"/>
+          <a:chExt cx="0" cy="0"/>
+        </a:xfrm>
+      </p:grpSpPr>
+      <p:sp>
+        <p:nvSpPr>
+          <p:cNvPr id="2" name="Título 1">
+            <a:extLst>
+              <a:ext uri="{FF2B5EF4-FFF2-40B4-BE49-F238E27FC236}">
+                <a16:creationId xmlns:a16="http://schemas.microsoft.com/office/drawing/2014/main" id="{4BC39CFD-8285-B70A-6568-86241E4274FF}"/>
+              </a:ext>
+            </a:extLst>
+          </p:cNvPr>
+          <p:cNvSpPr>
+            <a:spLocks noGrp="1"/>
+          </p:cNvSpPr>
+          <p:nvPr>
+            <p:ph type="title"/>
+          </p:nvPr>
+        </p:nvSpPr>
+        <p:spPr>
+          <a:xfrm>
+            <a:off x="0" y="0"/>
+            <a:ext cx="5523271" cy="931739"/>
+          </a:xfrm>
+        </p:spPr>
+        <p:txBody>
+          <a:bodyPr>
+            <a:normAutofit/>
+          </a:bodyPr>
+          <a:lstStyle/>
+          <a:p>
+            <a:r>
+              <a:rPr lang="en-US" b="1" dirty="0" err="1">
+                <a:solidFill>
+                  <a:srgbClr val="6E4F8A"/>
+                </a:solidFill>
+              </a:rPr>
+              <a:t>Instalando</a:t>
+            </a:r>
+            <a:r>
+              <a:rPr lang="en-US" b="1" dirty="0">
+                <a:solidFill>
+                  <a:srgbClr val="6E4F8A"/>
+                </a:solidFill>
+              </a:rPr>
+              <a:t> Git</a:t>
+            </a:r>
+          </a:p>
+        </p:txBody>
+      </p:sp>
+      <p:sp>
+        <p:nvSpPr>
+          <p:cNvPr id="13" name="Espaço Reservado para Número de Slide 12">
+            <a:extLst>
+              <a:ext uri="{FF2B5EF4-FFF2-40B4-BE49-F238E27FC236}">
+                <a16:creationId xmlns:a16="http://schemas.microsoft.com/office/drawing/2014/main" id="{E0D14A75-BE90-945F-3BC0-D6BACD4F554B}"/>
+              </a:ext>
+            </a:extLst>
+          </p:cNvPr>
+          <p:cNvSpPr>
+            <a:spLocks noGrp="1"/>
+          </p:cNvSpPr>
+          <p:nvPr>
+            <p:ph type="sldNum" sz="quarter" idx="12"/>
+          </p:nvPr>
+        </p:nvSpPr>
+        <p:spPr/>
+        <p:txBody>
+          <a:bodyPr/>
+          <a:lstStyle/>
+          <a:p>
+            <a:fld id="{79B5B39C-3780-455C-80CA-14351220CBC6}" type="slidenum">
+              <a:rPr lang="en-US" smtClean="0"/>
+              <a:t>19</a:t>
+            </a:fld>
+            <a:endParaRPr lang="en-US"/>
+          </a:p>
+        </p:txBody>
+      </p:sp>
+      <p:pic>
+        <p:nvPicPr>
+          <p:cNvPr id="7" name="Imagem 6" descr="Tela de computador com texto preto sobre fundo branco&#10;&#10;O conteúdo gerado por IA pode estar incorreto.">
+            <a:extLst>
+              <a:ext uri="{FF2B5EF4-FFF2-40B4-BE49-F238E27FC236}">
+                <a16:creationId xmlns:a16="http://schemas.microsoft.com/office/drawing/2014/main" id="{16BE93D0-2074-FB6D-8097-6909D2D9756A}"/>
+              </a:ext>
+            </a:extLst>
+          </p:cNvPr>
+          <p:cNvPicPr>
+            <a:picLocks noChangeAspect="1"/>
+          </p:cNvPicPr>
+          <p:nvPr/>
+        </p:nvPicPr>
+        <p:blipFill>
+          <a:blip r:embed="rId2">
+            <a:extLst>
+              <a:ext uri="{28A0092B-C50C-407E-A947-70E740481C1C}">
+                <a14:useLocalDpi xmlns:a14="http://schemas.microsoft.com/office/drawing/2010/main" val="0"/>
+              </a:ext>
+            </a:extLst>
+          </a:blip>
+          <a:stretch>
+            <a:fillRect/>
+          </a:stretch>
+        </p:blipFill>
+        <p:spPr>
+          <a:xfrm>
+            <a:off x="2160638" y="790013"/>
+            <a:ext cx="7870723" cy="5931462"/>
+          </a:xfrm>
+          <a:prstGeom prst="rect">
+            <a:avLst/>
+          </a:prstGeom>
+        </p:spPr>
+      </p:pic>
+      <p:sp>
+        <p:nvSpPr>
+          <p:cNvPr id="8" name="Retângulo 7">
+            <a:extLst>
+              <a:ext uri="{FF2B5EF4-FFF2-40B4-BE49-F238E27FC236}">
+                <a16:creationId xmlns:a16="http://schemas.microsoft.com/office/drawing/2014/main" id="{C73EE60C-7370-7153-976B-A0D26C43C585}"/>
+              </a:ext>
+            </a:extLst>
+          </p:cNvPr>
+          <p:cNvSpPr/>
+          <p:nvPr/>
+        </p:nvSpPr>
+        <p:spPr>
+          <a:xfrm>
+            <a:off x="4552410" y="931740"/>
+            <a:ext cx="304725" cy="238300"/>
+          </a:xfrm>
+          <a:prstGeom prst="rect">
+            <a:avLst/>
+          </a:prstGeom>
+          <a:noFill/>
+          <a:ln>
+            <a:solidFill>
+              <a:srgbClr val="FF0000"/>
+            </a:solidFill>
+          </a:ln>
+        </p:spPr>
+        <p:style>
+          <a:lnRef idx="2">
+            <a:schemeClr val="accent1">
+              <a:shade val="15000"/>
+            </a:schemeClr>
+          </a:lnRef>
+          <a:fillRef idx="1">
+            <a:schemeClr val="accent1"/>
+          </a:fillRef>
+          <a:effectRef idx="0">
+            <a:schemeClr val="accent1"/>
+          </a:effectRef>
+          <a:fontRef idx="minor">
+            <a:schemeClr val="lt1"/>
+          </a:fontRef>
+        </p:style>
+        <p:txBody>
+          <a:bodyPr rtlCol="0" anchor="ctr"/>
+          <a:lstStyle/>
+          <a:p>
+            <a:pPr algn="ctr"/>
+            <a:endParaRPr lang="en-US"/>
+          </a:p>
+        </p:txBody>
+      </p:sp>
+      <p:sp>
+        <p:nvSpPr>
+          <p:cNvPr id="15" name="Elipse 14">
+            <a:extLst>
+              <a:ext uri="{FF2B5EF4-FFF2-40B4-BE49-F238E27FC236}">
+                <a16:creationId xmlns:a16="http://schemas.microsoft.com/office/drawing/2014/main" id="{A44331A5-0EFC-A494-BEF7-CA0C6BA99765}"/>
+              </a:ext>
+            </a:extLst>
+          </p:cNvPr>
+          <p:cNvSpPr/>
+          <p:nvPr/>
+        </p:nvSpPr>
+        <p:spPr>
+          <a:xfrm>
+            <a:off x="4603365" y="636189"/>
+            <a:ext cx="202814" cy="202814"/>
+          </a:xfrm>
+          <a:prstGeom prst="ellipse">
+            <a:avLst/>
+          </a:prstGeom>
+          <a:solidFill>
+            <a:srgbClr val="7030A0"/>
+          </a:solidFill>
+        </p:spPr>
+        <p:style>
+          <a:lnRef idx="2">
+            <a:schemeClr val="accent1">
+              <a:shade val="15000"/>
+            </a:schemeClr>
+          </a:lnRef>
+          <a:fillRef idx="1">
+            <a:schemeClr val="accent1"/>
+          </a:fillRef>
+          <a:effectRef idx="0">
+            <a:schemeClr val="accent1"/>
+          </a:effectRef>
+          <a:fontRef idx="minor">
+            <a:schemeClr val="lt1"/>
+          </a:fontRef>
+        </p:style>
+        <p:txBody>
+          <a:bodyPr rtlCol="0" anchor="ctr"/>
+          <a:lstStyle/>
+          <a:p>
+            <a:pPr algn="ctr"/>
+            <a:r>
+              <a:rPr lang="en-US" sz="1200" dirty="0"/>
+              <a:t>1</a:t>
+            </a:r>
+          </a:p>
+        </p:txBody>
+      </p:sp>
+    </p:spTree>
+    <p:extLst>
+      <p:ext uri="{BB962C8B-B14F-4D97-AF65-F5344CB8AC3E}">
+        <p14:creationId xmlns:p14="http://schemas.microsoft.com/office/powerpoint/2010/main" val="2127703111"/>
+      </p:ext>
+    </p:extLst>
+  </p:cSld>
+  <p:clrMapOvr>
+    <a:masterClrMapping/>
+  </p:clrMapOvr>
+</p:sld>
+</file>
+
 <file path=ppt/slides/slide2.xml><?xml version="1.0" encoding="utf-8"?>
 <p:sld xmlns:a="http://schemas.openxmlformats.org/drawingml/2006/main" xmlns:r="http://schemas.openxmlformats.org/officeDocument/2006/relationships" xmlns:p="http://schemas.openxmlformats.org/presentationml/2006/main">
   <p:cSld>
@@ -6149,6 +7362,3873 @@
     <p:extLst>
       <p:ext uri="{BB962C8B-B14F-4D97-AF65-F5344CB8AC3E}">
         <p14:creationId xmlns:p14="http://schemas.microsoft.com/office/powerpoint/2010/main" val="3965979761"/>
+      </p:ext>
+    </p:extLst>
+  </p:cSld>
+  <p:clrMapOvr>
+    <a:masterClrMapping/>
+  </p:clrMapOvr>
+</p:sld>
+</file>
+
+<file path=ppt/slides/slide20.xml><?xml version="1.0" encoding="utf-8"?>
+<p:sld xmlns:a="http://schemas.openxmlformats.org/drawingml/2006/main" xmlns:r="http://schemas.openxmlformats.org/officeDocument/2006/relationships" xmlns:p="http://schemas.openxmlformats.org/presentationml/2006/main">
+  <p:cSld>
+    <p:spTree>
+      <p:nvGrpSpPr>
+        <p:cNvPr id="1" name="">
+          <a:extLst>
+            <a:ext uri="{FF2B5EF4-FFF2-40B4-BE49-F238E27FC236}">
+              <a16:creationId xmlns:a16="http://schemas.microsoft.com/office/drawing/2014/main" id="{EEAAFD09-A46B-21D7-BAD7-8E664E44C000}"/>
+            </a:ext>
+          </a:extLst>
+        </p:cNvPr>
+        <p:cNvGrpSpPr/>
+        <p:nvPr/>
+      </p:nvGrpSpPr>
+      <p:grpSpPr>
+        <a:xfrm>
+          <a:off x="0" y="0"/>
+          <a:ext cx="0" cy="0"/>
+          <a:chOff x="0" y="0"/>
+          <a:chExt cx="0" cy="0"/>
+        </a:xfrm>
+      </p:grpSpPr>
+      <p:sp>
+        <p:nvSpPr>
+          <p:cNvPr id="2" name="Título 1">
+            <a:extLst>
+              <a:ext uri="{FF2B5EF4-FFF2-40B4-BE49-F238E27FC236}">
+                <a16:creationId xmlns:a16="http://schemas.microsoft.com/office/drawing/2014/main" id="{3A419607-7B86-08D9-C2CA-B6CD91B939CC}"/>
+              </a:ext>
+            </a:extLst>
+          </p:cNvPr>
+          <p:cNvSpPr>
+            <a:spLocks noGrp="1"/>
+          </p:cNvSpPr>
+          <p:nvPr>
+            <p:ph type="title"/>
+          </p:nvPr>
+        </p:nvSpPr>
+        <p:spPr>
+          <a:xfrm>
+            <a:off x="0" y="0"/>
+            <a:ext cx="5523271" cy="931739"/>
+          </a:xfrm>
+        </p:spPr>
+        <p:txBody>
+          <a:bodyPr>
+            <a:normAutofit/>
+          </a:bodyPr>
+          <a:lstStyle/>
+          <a:p>
+            <a:r>
+              <a:rPr lang="en-US" b="1" dirty="0" err="1">
+                <a:solidFill>
+                  <a:srgbClr val="6E4F8A"/>
+                </a:solidFill>
+              </a:rPr>
+              <a:t>Instalando</a:t>
+            </a:r>
+            <a:r>
+              <a:rPr lang="en-US" b="1" dirty="0">
+                <a:solidFill>
+                  <a:srgbClr val="6E4F8A"/>
+                </a:solidFill>
+              </a:rPr>
+              <a:t> Git</a:t>
+            </a:r>
+          </a:p>
+        </p:txBody>
+      </p:sp>
+      <p:sp>
+        <p:nvSpPr>
+          <p:cNvPr id="13" name="Espaço Reservado para Número de Slide 12">
+            <a:extLst>
+              <a:ext uri="{FF2B5EF4-FFF2-40B4-BE49-F238E27FC236}">
+                <a16:creationId xmlns:a16="http://schemas.microsoft.com/office/drawing/2014/main" id="{6BFAFCEF-DB26-67CC-B086-81B2D5A7B1FF}"/>
+              </a:ext>
+            </a:extLst>
+          </p:cNvPr>
+          <p:cNvSpPr>
+            <a:spLocks noGrp="1"/>
+          </p:cNvSpPr>
+          <p:nvPr>
+            <p:ph type="sldNum" sz="quarter" idx="12"/>
+          </p:nvPr>
+        </p:nvSpPr>
+        <p:spPr/>
+        <p:txBody>
+          <a:bodyPr/>
+          <a:lstStyle/>
+          <a:p>
+            <a:fld id="{79B5B39C-3780-455C-80CA-14351220CBC6}" type="slidenum">
+              <a:rPr lang="en-US" smtClean="0"/>
+              <a:t>20</a:t>
+            </a:fld>
+            <a:endParaRPr lang="en-US"/>
+          </a:p>
+        </p:txBody>
+      </p:sp>
+      <p:pic>
+        <p:nvPicPr>
+          <p:cNvPr id="7" name="Imagem 6" descr="Tela de computador com texto preto sobre fundo branco&#10;&#10;O conteúdo gerado por IA pode estar incorreto.">
+            <a:extLst>
+              <a:ext uri="{FF2B5EF4-FFF2-40B4-BE49-F238E27FC236}">
+                <a16:creationId xmlns:a16="http://schemas.microsoft.com/office/drawing/2014/main" id="{246CF0E8-BCB4-9AA5-B5E0-22A787D300EE}"/>
+              </a:ext>
+            </a:extLst>
+          </p:cNvPr>
+          <p:cNvPicPr>
+            <a:picLocks noChangeAspect="1"/>
+          </p:cNvPicPr>
+          <p:nvPr/>
+        </p:nvPicPr>
+        <p:blipFill>
+          <a:blip r:embed="rId2">
+            <a:extLst>
+              <a:ext uri="{28A0092B-C50C-407E-A947-70E740481C1C}">
+                <a14:useLocalDpi xmlns:a14="http://schemas.microsoft.com/office/drawing/2010/main" val="0"/>
+              </a:ext>
+            </a:extLst>
+          </a:blip>
+          <a:stretch>
+            <a:fillRect/>
+          </a:stretch>
+        </p:blipFill>
+        <p:spPr>
+          <a:xfrm>
+            <a:off x="2160638" y="790013"/>
+            <a:ext cx="7870723" cy="5931462"/>
+          </a:xfrm>
+          <a:prstGeom prst="rect">
+            <a:avLst/>
+          </a:prstGeom>
+        </p:spPr>
+      </p:pic>
+      <p:sp>
+        <p:nvSpPr>
+          <p:cNvPr id="8" name="Retângulo 7">
+            <a:extLst>
+              <a:ext uri="{FF2B5EF4-FFF2-40B4-BE49-F238E27FC236}">
+                <a16:creationId xmlns:a16="http://schemas.microsoft.com/office/drawing/2014/main" id="{1B1706DE-0179-056D-DC26-8DF0E8A8A5B7}"/>
+              </a:ext>
+            </a:extLst>
+          </p:cNvPr>
+          <p:cNvSpPr/>
+          <p:nvPr/>
+        </p:nvSpPr>
+        <p:spPr>
+          <a:xfrm>
+            <a:off x="4552410" y="931740"/>
+            <a:ext cx="304725" cy="238300"/>
+          </a:xfrm>
+          <a:prstGeom prst="rect">
+            <a:avLst/>
+          </a:prstGeom>
+          <a:noFill/>
+          <a:ln>
+            <a:solidFill>
+              <a:srgbClr val="FF0000"/>
+            </a:solidFill>
+          </a:ln>
+        </p:spPr>
+        <p:style>
+          <a:lnRef idx="2">
+            <a:schemeClr val="accent1">
+              <a:shade val="15000"/>
+            </a:schemeClr>
+          </a:lnRef>
+          <a:fillRef idx="1">
+            <a:schemeClr val="accent1"/>
+          </a:fillRef>
+          <a:effectRef idx="0">
+            <a:schemeClr val="accent1"/>
+          </a:effectRef>
+          <a:fontRef idx="minor">
+            <a:schemeClr val="lt1"/>
+          </a:fontRef>
+        </p:style>
+        <p:txBody>
+          <a:bodyPr rtlCol="0" anchor="ctr"/>
+          <a:lstStyle/>
+          <a:p>
+            <a:pPr algn="ctr"/>
+            <a:endParaRPr lang="en-US"/>
+          </a:p>
+        </p:txBody>
+      </p:sp>
+      <p:sp>
+        <p:nvSpPr>
+          <p:cNvPr id="9" name="Retângulo 8">
+            <a:extLst>
+              <a:ext uri="{FF2B5EF4-FFF2-40B4-BE49-F238E27FC236}">
+                <a16:creationId xmlns:a16="http://schemas.microsoft.com/office/drawing/2014/main" id="{B4D68BC6-C195-ADB7-EDD9-C0BAD2EB6588}"/>
+              </a:ext>
+            </a:extLst>
+          </p:cNvPr>
+          <p:cNvSpPr/>
+          <p:nvPr/>
+        </p:nvSpPr>
+        <p:spPr>
+          <a:xfrm>
+            <a:off x="3898565" y="1721752"/>
+            <a:ext cx="486622" cy="225035"/>
+          </a:xfrm>
+          <a:prstGeom prst="rect">
+            <a:avLst/>
+          </a:prstGeom>
+          <a:noFill/>
+          <a:ln>
+            <a:solidFill>
+              <a:srgbClr val="FF0000"/>
+            </a:solidFill>
+          </a:ln>
+        </p:spPr>
+        <p:style>
+          <a:lnRef idx="2">
+            <a:schemeClr val="accent1">
+              <a:shade val="15000"/>
+            </a:schemeClr>
+          </a:lnRef>
+          <a:fillRef idx="1">
+            <a:schemeClr val="accent1"/>
+          </a:fillRef>
+          <a:effectRef idx="0">
+            <a:schemeClr val="accent1"/>
+          </a:effectRef>
+          <a:fontRef idx="minor">
+            <a:schemeClr val="lt1"/>
+          </a:fontRef>
+        </p:style>
+        <p:txBody>
+          <a:bodyPr rtlCol="0" anchor="ctr"/>
+          <a:lstStyle/>
+          <a:p>
+            <a:pPr algn="ctr"/>
+            <a:endParaRPr lang="en-US"/>
+          </a:p>
+        </p:txBody>
+      </p:sp>
+      <p:sp>
+        <p:nvSpPr>
+          <p:cNvPr id="15" name="Elipse 14">
+            <a:extLst>
+              <a:ext uri="{FF2B5EF4-FFF2-40B4-BE49-F238E27FC236}">
+                <a16:creationId xmlns:a16="http://schemas.microsoft.com/office/drawing/2014/main" id="{817F2C79-3749-AE8C-B33D-65DF44C1A36A}"/>
+              </a:ext>
+            </a:extLst>
+          </p:cNvPr>
+          <p:cNvSpPr/>
+          <p:nvPr/>
+        </p:nvSpPr>
+        <p:spPr>
+          <a:xfrm>
+            <a:off x="4603365" y="636189"/>
+            <a:ext cx="202814" cy="202814"/>
+          </a:xfrm>
+          <a:prstGeom prst="ellipse">
+            <a:avLst/>
+          </a:prstGeom>
+          <a:solidFill>
+            <a:srgbClr val="7030A0"/>
+          </a:solidFill>
+        </p:spPr>
+        <p:style>
+          <a:lnRef idx="2">
+            <a:schemeClr val="accent1">
+              <a:shade val="15000"/>
+            </a:schemeClr>
+          </a:lnRef>
+          <a:fillRef idx="1">
+            <a:schemeClr val="accent1"/>
+          </a:fillRef>
+          <a:effectRef idx="0">
+            <a:schemeClr val="accent1"/>
+          </a:effectRef>
+          <a:fontRef idx="minor">
+            <a:schemeClr val="lt1"/>
+          </a:fontRef>
+        </p:style>
+        <p:txBody>
+          <a:bodyPr rtlCol="0" anchor="ctr"/>
+          <a:lstStyle/>
+          <a:p>
+            <a:pPr algn="ctr"/>
+            <a:r>
+              <a:rPr lang="en-US" sz="1200" dirty="0"/>
+              <a:t>1</a:t>
+            </a:r>
+          </a:p>
+        </p:txBody>
+      </p:sp>
+      <p:sp>
+        <p:nvSpPr>
+          <p:cNvPr id="16" name="Elipse 15">
+            <a:extLst>
+              <a:ext uri="{FF2B5EF4-FFF2-40B4-BE49-F238E27FC236}">
+                <a16:creationId xmlns:a16="http://schemas.microsoft.com/office/drawing/2014/main" id="{F5FF68F4-9959-4747-139B-9C5FF661212B}"/>
+              </a:ext>
+            </a:extLst>
+          </p:cNvPr>
+          <p:cNvSpPr/>
+          <p:nvPr/>
+        </p:nvSpPr>
+        <p:spPr>
+          <a:xfrm>
+            <a:off x="4040469" y="1442026"/>
+            <a:ext cx="202814" cy="202814"/>
+          </a:xfrm>
+          <a:prstGeom prst="ellipse">
+            <a:avLst/>
+          </a:prstGeom>
+          <a:solidFill>
+            <a:srgbClr val="7030A0"/>
+          </a:solidFill>
+        </p:spPr>
+        <p:style>
+          <a:lnRef idx="2">
+            <a:schemeClr val="accent1">
+              <a:shade val="15000"/>
+            </a:schemeClr>
+          </a:lnRef>
+          <a:fillRef idx="1">
+            <a:schemeClr val="accent1"/>
+          </a:fillRef>
+          <a:effectRef idx="0">
+            <a:schemeClr val="accent1"/>
+          </a:effectRef>
+          <a:fontRef idx="minor">
+            <a:schemeClr val="lt1"/>
+          </a:fontRef>
+        </p:style>
+        <p:txBody>
+          <a:bodyPr rtlCol="0" anchor="ctr"/>
+          <a:lstStyle/>
+          <a:p>
+            <a:pPr algn="ctr"/>
+            <a:r>
+              <a:rPr lang="en-US" sz="1200" dirty="0"/>
+              <a:t>2</a:t>
+            </a:r>
+          </a:p>
+        </p:txBody>
+      </p:sp>
+    </p:spTree>
+    <p:extLst>
+      <p:ext uri="{BB962C8B-B14F-4D97-AF65-F5344CB8AC3E}">
+        <p14:creationId xmlns:p14="http://schemas.microsoft.com/office/powerpoint/2010/main" val="3020634046"/>
+      </p:ext>
+    </p:extLst>
+  </p:cSld>
+  <p:clrMapOvr>
+    <a:masterClrMapping/>
+  </p:clrMapOvr>
+</p:sld>
+</file>
+
+<file path=ppt/slides/slide21.xml><?xml version="1.0" encoding="utf-8"?>
+<p:sld xmlns:a="http://schemas.openxmlformats.org/drawingml/2006/main" xmlns:r="http://schemas.openxmlformats.org/officeDocument/2006/relationships" xmlns:p="http://schemas.openxmlformats.org/presentationml/2006/main">
+  <p:cSld>
+    <p:spTree>
+      <p:nvGrpSpPr>
+        <p:cNvPr id="1" name="">
+          <a:extLst>
+            <a:ext uri="{FF2B5EF4-FFF2-40B4-BE49-F238E27FC236}">
+              <a16:creationId xmlns:a16="http://schemas.microsoft.com/office/drawing/2014/main" id="{3B99F4A4-0F88-5367-EFDD-CEF5AAD3B500}"/>
+            </a:ext>
+          </a:extLst>
+        </p:cNvPr>
+        <p:cNvGrpSpPr/>
+        <p:nvPr/>
+      </p:nvGrpSpPr>
+      <p:grpSpPr>
+        <a:xfrm>
+          <a:off x="0" y="0"/>
+          <a:ext cx="0" cy="0"/>
+          <a:chOff x="0" y="0"/>
+          <a:chExt cx="0" cy="0"/>
+        </a:xfrm>
+      </p:grpSpPr>
+      <p:sp>
+        <p:nvSpPr>
+          <p:cNvPr id="2" name="Título 1">
+            <a:extLst>
+              <a:ext uri="{FF2B5EF4-FFF2-40B4-BE49-F238E27FC236}">
+                <a16:creationId xmlns:a16="http://schemas.microsoft.com/office/drawing/2014/main" id="{72B9BE30-6F6A-274D-FCB3-5F2FA49A06A2}"/>
+              </a:ext>
+            </a:extLst>
+          </p:cNvPr>
+          <p:cNvSpPr>
+            <a:spLocks noGrp="1"/>
+          </p:cNvSpPr>
+          <p:nvPr>
+            <p:ph type="title"/>
+          </p:nvPr>
+        </p:nvSpPr>
+        <p:spPr>
+          <a:xfrm>
+            <a:off x="0" y="0"/>
+            <a:ext cx="5523271" cy="931739"/>
+          </a:xfrm>
+        </p:spPr>
+        <p:txBody>
+          <a:bodyPr>
+            <a:normAutofit/>
+          </a:bodyPr>
+          <a:lstStyle/>
+          <a:p>
+            <a:r>
+              <a:rPr lang="en-US" b="1" dirty="0" err="1">
+                <a:solidFill>
+                  <a:srgbClr val="6E4F8A"/>
+                </a:solidFill>
+              </a:rPr>
+              <a:t>Instalando</a:t>
+            </a:r>
+            <a:r>
+              <a:rPr lang="en-US" b="1" dirty="0">
+                <a:solidFill>
+                  <a:srgbClr val="6E4F8A"/>
+                </a:solidFill>
+              </a:rPr>
+              <a:t> Git</a:t>
+            </a:r>
+          </a:p>
+        </p:txBody>
+      </p:sp>
+      <p:sp>
+        <p:nvSpPr>
+          <p:cNvPr id="13" name="Espaço Reservado para Número de Slide 12">
+            <a:extLst>
+              <a:ext uri="{FF2B5EF4-FFF2-40B4-BE49-F238E27FC236}">
+                <a16:creationId xmlns:a16="http://schemas.microsoft.com/office/drawing/2014/main" id="{83E86861-0B5A-D33B-08CD-9F07136FD31B}"/>
+              </a:ext>
+            </a:extLst>
+          </p:cNvPr>
+          <p:cNvSpPr>
+            <a:spLocks noGrp="1"/>
+          </p:cNvSpPr>
+          <p:nvPr>
+            <p:ph type="sldNum" sz="quarter" idx="12"/>
+          </p:nvPr>
+        </p:nvSpPr>
+        <p:spPr/>
+        <p:txBody>
+          <a:bodyPr/>
+          <a:lstStyle/>
+          <a:p>
+            <a:fld id="{79B5B39C-3780-455C-80CA-14351220CBC6}" type="slidenum">
+              <a:rPr lang="en-US" smtClean="0"/>
+              <a:t>21</a:t>
+            </a:fld>
+            <a:endParaRPr lang="en-US"/>
+          </a:p>
+        </p:txBody>
+      </p:sp>
+      <p:pic>
+        <p:nvPicPr>
+          <p:cNvPr id="7" name="Imagem 6" descr="Tela de computador com texto preto sobre fundo branco&#10;&#10;O conteúdo gerado por IA pode estar incorreto.">
+            <a:extLst>
+              <a:ext uri="{FF2B5EF4-FFF2-40B4-BE49-F238E27FC236}">
+                <a16:creationId xmlns:a16="http://schemas.microsoft.com/office/drawing/2014/main" id="{1C28AF79-6D8F-08BC-1C81-B7AD9A80408B}"/>
+              </a:ext>
+            </a:extLst>
+          </p:cNvPr>
+          <p:cNvPicPr>
+            <a:picLocks noChangeAspect="1"/>
+          </p:cNvPicPr>
+          <p:nvPr/>
+        </p:nvPicPr>
+        <p:blipFill>
+          <a:blip r:embed="rId2">
+            <a:extLst>
+              <a:ext uri="{28A0092B-C50C-407E-A947-70E740481C1C}">
+                <a14:useLocalDpi xmlns:a14="http://schemas.microsoft.com/office/drawing/2010/main" val="0"/>
+              </a:ext>
+            </a:extLst>
+          </a:blip>
+          <a:stretch>
+            <a:fillRect/>
+          </a:stretch>
+        </p:blipFill>
+        <p:spPr>
+          <a:xfrm>
+            <a:off x="2160638" y="790013"/>
+            <a:ext cx="7870723" cy="5931462"/>
+          </a:xfrm>
+          <a:prstGeom prst="rect">
+            <a:avLst/>
+          </a:prstGeom>
+        </p:spPr>
+      </p:pic>
+      <p:sp>
+        <p:nvSpPr>
+          <p:cNvPr id="8" name="Retângulo 7">
+            <a:extLst>
+              <a:ext uri="{FF2B5EF4-FFF2-40B4-BE49-F238E27FC236}">
+                <a16:creationId xmlns:a16="http://schemas.microsoft.com/office/drawing/2014/main" id="{358D09C1-0EA3-FC81-8312-807BB894C70A}"/>
+              </a:ext>
+            </a:extLst>
+          </p:cNvPr>
+          <p:cNvSpPr/>
+          <p:nvPr/>
+        </p:nvSpPr>
+        <p:spPr>
+          <a:xfrm>
+            <a:off x="4552410" y="931740"/>
+            <a:ext cx="304725" cy="238300"/>
+          </a:xfrm>
+          <a:prstGeom prst="rect">
+            <a:avLst/>
+          </a:prstGeom>
+          <a:noFill/>
+          <a:ln>
+            <a:solidFill>
+              <a:srgbClr val="FF0000"/>
+            </a:solidFill>
+          </a:ln>
+        </p:spPr>
+        <p:style>
+          <a:lnRef idx="2">
+            <a:schemeClr val="accent1">
+              <a:shade val="15000"/>
+            </a:schemeClr>
+          </a:lnRef>
+          <a:fillRef idx="1">
+            <a:schemeClr val="accent1"/>
+          </a:fillRef>
+          <a:effectRef idx="0">
+            <a:schemeClr val="accent1"/>
+          </a:effectRef>
+          <a:fontRef idx="minor">
+            <a:schemeClr val="lt1"/>
+          </a:fontRef>
+        </p:style>
+        <p:txBody>
+          <a:bodyPr rtlCol="0" anchor="ctr"/>
+          <a:lstStyle/>
+          <a:p>
+            <a:pPr algn="ctr"/>
+            <a:endParaRPr lang="en-US"/>
+          </a:p>
+        </p:txBody>
+      </p:sp>
+      <p:sp>
+        <p:nvSpPr>
+          <p:cNvPr id="9" name="Retângulo 8">
+            <a:extLst>
+              <a:ext uri="{FF2B5EF4-FFF2-40B4-BE49-F238E27FC236}">
+                <a16:creationId xmlns:a16="http://schemas.microsoft.com/office/drawing/2014/main" id="{E8EA8F48-E622-F6CD-7FCF-7864A4BAA2B3}"/>
+              </a:ext>
+            </a:extLst>
+          </p:cNvPr>
+          <p:cNvSpPr/>
+          <p:nvPr/>
+        </p:nvSpPr>
+        <p:spPr>
+          <a:xfrm>
+            <a:off x="3898565" y="1721752"/>
+            <a:ext cx="486622" cy="225035"/>
+          </a:xfrm>
+          <a:prstGeom prst="rect">
+            <a:avLst/>
+          </a:prstGeom>
+          <a:noFill/>
+          <a:ln>
+            <a:solidFill>
+              <a:srgbClr val="FF0000"/>
+            </a:solidFill>
+          </a:ln>
+        </p:spPr>
+        <p:style>
+          <a:lnRef idx="2">
+            <a:schemeClr val="accent1">
+              <a:shade val="15000"/>
+            </a:schemeClr>
+          </a:lnRef>
+          <a:fillRef idx="1">
+            <a:schemeClr val="accent1"/>
+          </a:fillRef>
+          <a:effectRef idx="0">
+            <a:schemeClr val="accent1"/>
+          </a:effectRef>
+          <a:fontRef idx="minor">
+            <a:schemeClr val="lt1"/>
+          </a:fontRef>
+        </p:style>
+        <p:txBody>
+          <a:bodyPr rtlCol="0" anchor="ctr"/>
+          <a:lstStyle/>
+          <a:p>
+            <a:pPr algn="ctr"/>
+            <a:endParaRPr lang="en-US"/>
+          </a:p>
+        </p:txBody>
+      </p:sp>
+      <p:sp>
+        <p:nvSpPr>
+          <p:cNvPr id="10" name="Retângulo 9">
+            <a:extLst>
+              <a:ext uri="{FF2B5EF4-FFF2-40B4-BE49-F238E27FC236}">
+                <a16:creationId xmlns:a16="http://schemas.microsoft.com/office/drawing/2014/main" id="{E83F2BFD-875D-2E1A-340A-5902F5245DAD}"/>
+              </a:ext>
+            </a:extLst>
+          </p:cNvPr>
+          <p:cNvSpPr/>
+          <p:nvPr/>
+        </p:nvSpPr>
+        <p:spPr>
+          <a:xfrm>
+            <a:off x="3898565" y="4342049"/>
+            <a:ext cx="958570" cy="225035"/>
+          </a:xfrm>
+          <a:prstGeom prst="rect">
+            <a:avLst/>
+          </a:prstGeom>
+          <a:noFill/>
+          <a:ln>
+            <a:solidFill>
+              <a:srgbClr val="FF0000"/>
+            </a:solidFill>
+          </a:ln>
+        </p:spPr>
+        <p:style>
+          <a:lnRef idx="2">
+            <a:schemeClr val="accent1">
+              <a:shade val="15000"/>
+            </a:schemeClr>
+          </a:lnRef>
+          <a:fillRef idx="1">
+            <a:schemeClr val="accent1"/>
+          </a:fillRef>
+          <a:effectRef idx="0">
+            <a:schemeClr val="accent1"/>
+          </a:effectRef>
+          <a:fontRef idx="minor">
+            <a:schemeClr val="lt1"/>
+          </a:fontRef>
+        </p:style>
+        <p:txBody>
+          <a:bodyPr rtlCol="0" anchor="ctr"/>
+          <a:lstStyle/>
+          <a:p>
+            <a:pPr algn="ctr"/>
+            <a:endParaRPr lang="en-US"/>
+          </a:p>
+        </p:txBody>
+      </p:sp>
+      <p:sp>
+        <p:nvSpPr>
+          <p:cNvPr id="15" name="Elipse 14">
+            <a:extLst>
+              <a:ext uri="{FF2B5EF4-FFF2-40B4-BE49-F238E27FC236}">
+                <a16:creationId xmlns:a16="http://schemas.microsoft.com/office/drawing/2014/main" id="{FE6BE620-80F9-2B3D-A2B4-DE3A95DEF01C}"/>
+              </a:ext>
+            </a:extLst>
+          </p:cNvPr>
+          <p:cNvSpPr/>
+          <p:nvPr/>
+        </p:nvSpPr>
+        <p:spPr>
+          <a:xfrm>
+            <a:off x="4603365" y="636189"/>
+            <a:ext cx="202814" cy="202814"/>
+          </a:xfrm>
+          <a:prstGeom prst="ellipse">
+            <a:avLst/>
+          </a:prstGeom>
+          <a:solidFill>
+            <a:srgbClr val="7030A0"/>
+          </a:solidFill>
+        </p:spPr>
+        <p:style>
+          <a:lnRef idx="2">
+            <a:schemeClr val="accent1">
+              <a:shade val="15000"/>
+            </a:schemeClr>
+          </a:lnRef>
+          <a:fillRef idx="1">
+            <a:schemeClr val="accent1"/>
+          </a:fillRef>
+          <a:effectRef idx="0">
+            <a:schemeClr val="accent1"/>
+          </a:effectRef>
+          <a:fontRef idx="minor">
+            <a:schemeClr val="lt1"/>
+          </a:fontRef>
+        </p:style>
+        <p:txBody>
+          <a:bodyPr rtlCol="0" anchor="ctr"/>
+          <a:lstStyle/>
+          <a:p>
+            <a:pPr algn="ctr"/>
+            <a:r>
+              <a:rPr lang="en-US" sz="1200" dirty="0"/>
+              <a:t>1</a:t>
+            </a:r>
+          </a:p>
+        </p:txBody>
+      </p:sp>
+      <p:sp>
+        <p:nvSpPr>
+          <p:cNvPr id="16" name="Elipse 15">
+            <a:extLst>
+              <a:ext uri="{FF2B5EF4-FFF2-40B4-BE49-F238E27FC236}">
+                <a16:creationId xmlns:a16="http://schemas.microsoft.com/office/drawing/2014/main" id="{72A5C383-F4DE-CBBB-3BD5-E891B670234E}"/>
+              </a:ext>
+            </a:extLst>
+          </p:cNvPr>
+          <p:cNvSpPr/>
+          <p:nvPr/>
+        </p:nvSpPr>
+        <p:spPr>
+          <a:xfrm>
+            <a:off x="4040469" y="1442026"/>
+            <a:ext cx="202814" cy="202814"/>
+          </a:xfrm>
+          <a:prstGeom prst="ellipse">
+            <a:avLst/>
+          </a:prstGeom>
+          <a:solidFill>
+            <a:srgbClr val="7030A0"/>
+          </a:solidFill>
+        </p:spPr>
+        <p:style>
+          <a:lnRef idx="2">
+            <a:schemeClr val="accent1">
+              <a:shade val="15000"/>
+            </a:schemeClr>
+          </a:lnRef>
+          <a:fillRef idx="1">
+            <a:schemeClr val="accent1"/>
+          </a:fillRef>
+          <a:effectRef idx="0">
+            <a:schemeClr val="accent1"/>
+          </a:effectRef>
+          <a:fontRef idx="minor">
+            <a:schemeClr val="lt1"/>
+          </a:fontRef>
+        </p:style>
+        <p:txBody>
+          <a:bodyPr rtlCol="0" anchor="ctr"/>
+          <a:lstStyle/>
+          <a:p>
+            <a:pPr algn="ctr"/>
+            <a:r>
+              <a:rPr lang="en-US" sz="1200" dirty="0"/>
+              <a:t>2</a:t>
+            </a:r>
+          </a:p>
+        </p:txBody>
+      </p:sp>
+      <p:sp>
+        <p:nvSpPr>
+          <p:cNvPr id="17" name="Elipse 16">
+            <a:extLst>
+              <a:ext uri="{FF2B5EF4-FFF2-40B4-BE49-F238E27FC236}">
+                <a16:creationId xmlns:a16="http://schemas.microsoft.com/office/drawing/2014/main" id="{6F25E31F-A765-0DA8-C3C9-1517D985E7DD}"/>
+              </a:ext>
+            </a:extLst>
+          </p:cNvPr>
+          <p:cNvSpPr/>
+          <p:nvPr/>
+        </p:nvSpPr>
+        <p:spPr>
+          <a:xfrm>
+            <a:off x="3639408" y="4342049"/>
+            <a:ext cx="202814" cy="202814"/>
+          </a:xfrm>
+          <a:prstGeom prst="ellipse">
+            <a:avLst/>
+          </a:prstGeom>
+          <a:solidFill>
+            <a:srgbClr val="7030A0"/>
+          </a:solidFill>
+        </p:spPr>
+        <p:style>
+          <a:lnRef idx="2">
+            <a:schemeClr val="accent1">
+              <a:shade val="15000"/>
+            </a:schemeClr>
+          </a:lnRef>
+          <a:fillRef idx="1">
+            <a:schemeClr val="accent1"/>
+          </a:fillRef>
+          <a:effectRef idx="0">
+            <a:schemeClr val="accent1"/>
+          </a:effectRef>
+          <a:fontRef idx="minor">
+            <a:schemeClr val="lt1"/>
+          </a:fontRef>
+        </p:style>
+        <p:txBody>
+          <a:bodyPr rtlCol="0" anchor="ctr"/>
+          <a:lstStyle/>
+          <a:p>
+            <a:pPr algn="ctr"/>
+            <a:r>
+              <a:rPr lang="en-US" sz="1200" dirty="0"/>
+              <a:t>3</a:t>
+            </a:r>
+          </a:p>
+        </p:txBody>
+      </p:sp>
+    </p:spTree>
+    <p:extLst>
+      <p:ext uri="{BB962C8B-B14F-4D97-AF65-F5344CB8AC3E}">
+        <p14:creationId xmlns:p14="http://schemas.microsoft.com/office/powerpoint/2010/main" val="4121078794"/>
+      </p:ext>
+    </p:extLst>
+  </p:cSld>
+  <p:clrMapOvr>
+    <a:masterClrMapping/>
+  </p:clrMapOvr>
+</p:sld>
+</file>
+
+<file path=ppt/slides/slide22.xml><?xml version="1.0" encoding="utf-8"?>
+<p:sld xmlns:a="http://schemas.openxmlformats.org/drawingml/2006/main" xmlns:r="http://schemas.openxmlformats.org/officeDocument/2006/relationships" xmlns:p="http://schemas.openxmlformats.org/presentationml/2006/main">
+  <p:cSld>
+    <p:spTree>
+      <p:nvGrpSpPr>
+        <p:cNvPr id="1" name="">
+          <a:extLst>
+            <a:ext uri="{FF2B5EF4-FFF2-40B4-BE49-F238E27FC236}">
+              <a16:creationId xmlns:a16="http://schemas.microsoft.com/office/drawing/2014/main" id="{8C8A42AC-7549-D968-6913-1EE9A50AE68D}"/>
+            </a:ext>
+          </a:extLst>
+        </p:cNvPr>
+        <p:cNvGrpSpPr/>
+        <p:nvPr/>
+      </p:nvGrpSpPr>
+      <p:grpSpPr>
+        <a:xfrm>
+          <a:off x="0" y="0"/>
+          <a:ext cx="0" cy="0"/>
+          <a:chOff x="0" y="0"/>
+          <a:chExt cx="0" cy="0"/>
+        </a:xfrm>
+      </p:grpSpPr>
+      <p:sp>
+        <p:nvSpPr>
+          <p:cNvPr id="2" name="Título 1">
+            <a:extLst>
+              <a:ext uri="{FF2B5EF4-FFF2-40B4-BE49-F238E27FC236}">
+                <a16:creationId xmlns:a16="http://schemas.microsoft.com/office/drawing/2014/main" id="{916FEEF6-B78F-2803-DC5A-3A3FE270DDD3}"/>
+              </a:ext>
+            </a:extLst>
+          </p:cNvPr>
+          <p:cNvSpPr>
+            <a:spLocks noGrp="1"/>
+          </p:cNvSpPr>
+          <p:nvPr>
+            <p:ph type="title"/>
+          </p:nvPr>
+        </p:nvSpPr>
+        <p:spPr>
+          <a:xfrm>
+            <a:off x="0" y="0"/>
+            <a:ext cx="5523271" cy="931739"/>
+          </a:xfrm>
+        </p:spPr>
+        <p:txBody>
+          <a:bodyPr>
+            <a:normAutofit/>
+          </a:bodyPr>
+          <a:lstStyle/>
+          <a:p>
+            <a:r>
+              <a:rPr lang="en-US" b="1" dirty="0" err="1">
+                <a:solidFill>
+                  <a:srgbClr val="6E4F8A"/>
+                </a:solidFill>
+              </a:rPr>
+              <a:t>Instalando</a:t>
+            </a:r>
+            <a:r>
+              <a:rPr lang="en-US" b="1" dirty="0">
+                <a:solidFill>
+                  <a:srgbClr val="6E4F8A"/>
+                </a:solidFill>
+              </a:rPr>
+              <a:t> Git</a:t>
+            </a:r>
+          </a:p>
+        </p:txBody>
+      </p:sp>
+      <p:sp>
+        <p:nvSpPr>
+          <p:cNvPr id="13" name="Espaço Reservado para Número de Slide 12">
+            <a:extLst>
+              <a:ext uri="{FF2B5EF4-FFF2-40B4-BE49-F238E27FC236}">
+                <a16:creationId xmlns:a16="http://schemas.microsoft.com/office/drawing/2014/main" id="{DC1E9669-453C-0F00-3ED0-75F471F96386}"/>
+              </a:ext>
+            </a:extLst>
+          </p:cNvPr>
+          <p:cNvSpPr>
+            <a:spLocks noGrp="1"/>
+          </p:cNvSpPr>
+          <p:nvPr>
+            <p:ph type="sldNum" sz="quarter" idx="12"/>
+          </p:nvPr>
+        </p:nvSpPr>
+        <p:spPr/>
+        <p:txBody>
+          <a:bodyPr/>
+          <a:lstStyle/>
+          <a:p>
+            <a:fld id="{79B5B39C-3780-455C-80CA-14351220CBC6}" type="slidenum">
+              <a:rPr lang="en-US" smtClean="0"/>
+              <a:t>22</a:t>
+            </a:fld>
+            <a:endParaRPr lang="en-US"/>
+          </a:p>
+        </p:txBody>
+      </p:sp>
+      <p:pic>
+        <p:nvPicPr>
+          <p:cNvPr id="7" name="Imagem 6" descr="Tela de computador com texto preto sobre fundo branco&#10;&#10;O conteúdo gerado por IA pode estar incorreto.">
+            <a:extLst>
+              <a:ext uri="{FF2B5EF4-FFF2-40B4-BE49-F238E27FC236}">
+                <a16:creationId xmlns:a16="http://schemas.microsoft.com/office/drawing/2014/main" id="{4FB124F8-7B8E-46E3-6DEB-AB9CF33AD3C8}"/>
+              </a:ext>
+            </a:extLst>
+          </p:cNvPr>
+          <p:cNvPicPr>
+            <a:picLocks noChangeAspect="1"/>
+          </p:cNvPicPr>
+          <p:nvPr/>
+        </p:nvPicPr>
+        <p:blipFill>
+          <a:blip r:embed="rId2">
+            <a:extLst>
+              <a:ext uri="{28A0092B-C50C-407E-A947-70E740481C1C}">
+                <a14:useLocalDpi xmlns:a14="http://schemas.microsoft.com/office/drawing/2010/main" val="0"/>
+              </a:ext>
+            </a:extLst>
+          </a:blip>
+          <a:stretch>
+            <a:fillRect/>
+          </a:stretch>
+        </p:blipFill>
+        <p:spPr>
+          <a:xfrm>
+            <a:off x="2160638" y="790013"/>
+            <a:ext cx="7870723" cy="5931462"/>
+          </a:xfrm>
+          <a:prstGeom prst="rect">
+            <a:avLst/>
+          </a:prstGeom>
+        </p:spPr>
+      </p:pic>
+      <p:sp>
+        <p:nvSpPr>
+          <p:cNvPr id="8" name="Retângulo 7">
+            <a:extLst>
+              <a:ext uri="{FF2B5EF4-FFF2-40B4-BE49-F238E27FC236}">
+                <a16:creationId xmlns:a16="http://schemas.microsoft.com/office/drawing/2014/main" id="{702FCE60-5E50-8593-A176-868FDCF4E39C}"/>
+              </a:ext>
+            </a:extLst>
+          </p:cNvPr>
+          <p:cNvSpPr/>
+          <p:nvPr/>
+        </p:nvSpPr>
+        <p:spPr>
+          <a:xfrm>
+            <a:off x="4552410" y="931740"/>
+            <a:ext cx="304725" cy="238300"/>
+          </a:xfrm>
+          <a:prstGeom prst="rect">
+            <a:avLst/>
+          </a:prstGeom>
+          <a:noFill/>
+          <a:ln>
+            <a:solidFill>
+              <a:srgbClr val="FF0000"/>
+            </a:solidFill>
+          </a:ln>
+        </p:spPr>
+        <p:style>
+          <a:lnRef idx="2">
+            <a:schemeClr val="accent1">
+              <a:shade val="15000"/>
+            </a:schemeClr>
+          </a:lnRef>
+          <a:fillRef idx="1">
+            <a:schemeClr val="accent1"/>
+          </a:fillRef>
+          <a:effectRef idx="0">
+            <a:schemeClr val="accent1"/>
+          </a:effectRef>
+          <a:fontRef idx="minor">
+            <a:schemeClr val="lt1"/>
+          </a:fontRef>
+        </p:style>
+        <p:txBody>
+          <a:bodyPr rtlCol="0" anchor="ctr"/>
+          <a:lstStyle/>
+          <a:p>
+            <a:pPr algn="ctr"/>
+            <a:endParaRPr lang="en-US"/>
+          </a:p>
+        </p:txBody>
+      </p:sp>
+      <p:sp>
+        <p:nvSpPr>
+          <p:cNvPr id="9" name="Retângulo 8">
+            <a:extLst>
+              <a:ext uri="{FF2B5EF4-FFF2-40B4-BE49-F238E27FC236}">
+                <a16:creationId xmlns:a16="http://schemas.microsoft.com/office/drawing/2014/main" id="{CDC383EF-9054-100A-026B-201550D5EAAE}"/>
+              </a:ext>
+            </a:extLst>
+          </p:cNvPr>
+          <p:cNvSpPr/>
+          <p:nvPr/>
+        </p:nvSpPr>
+        <p:spPr>
+          <a:xfrm>
+            <a:off x="3898565" y="1721752"/>
+            <a:ext cx="486622" cy="225035"/>
+          </a:xfrm>
+          <a:prstGeom prst="rect">
+            <a:avLst/>
+          </a:prstGeom>
+          <a:noFill/>
+          <a:ln>
+            <a:solidFill>
+              <a:srgbClr val="FF0000"/>
+            </a:solidFill>
+          </a:ln>
+        </p:spPr>
+        <p:style>
+          <a:lnRef idx="2">
+            <a:schemeClr val="accent1">
+              <a:shade val="15000"/>
+            </a:schemeClr>
+          </a:lnRef>
+          <a:fillRef idx="1">
+            <a:schemeClr val="accent1"/>
+          </a:fillRef>
+          <a:effectRef idx="0">
+            <a:schemeClr val="accent1"/>
+          </a:effectRef>
+          <a:fontRef idx="minor">
+            <a:schemeClr val="lt1"/>
+          </a:fontRef>
+        </p:style>
+        <p:txBody>
+          <a:bodyPr rtlCol="0" anchor="ctr"/>
+          <a:lstStyle/>
+          <a:p>
+            <a:pPr algn="ctr"/>
+            <a:endParaRPr lang="en-US"/>
+          </a:p>
+        </p:txBody>
+      </p:sp>
+      <p:sp>
+        <p:nvSpPr>
+          <p:cNvPr id="10" name="Retângulo 9">
+            <a:extLst>
+              <a:ext uri="{FF2B5EF4-FFF2-40B4-BE49-F238E27FC236}">
+                <a16:creationId xmlns:a16="http://schemas.microsoft.com/office/drawing/2014/main" id="{4D4799D6-029A-CD37-9E75-01A7EA62BA80}"/>
+              </a:ext>
+            </a:extLst>
+          </p:cNvPr>
+          <p:cNvSpPr/>
+          <p:nvPr/>
+        </p:nvSpPr>
+        <p:spPr>
+          <a:xfrm>
+            <a:off x="3898565" y="4342049"/>
+            <a:ext cx="958570" cy="225035"/>
+          </a:xfrm>
+          <a:prstGeom prst="rect">
+            <a:avLst/>
+          </a:prstGeom>
+          <a:noFill/>
+          <a:ln>
+            <a:solidFill>
+              <a:srgbClr val="FF0000"/>
+            </a:solidFill>
+          </a:ln>
+        </p:spPr>
+        <p:style>
+          <a:lnRef idx="2">
+            <a:schemeClr val="accent1">
+              <a:shade val="15000"/>
+            </a:schemeClr>
+          </a:lnRef>
+          <a:fillRef idx="1">
+            <a:schemeClr val="accent1"/>
+          </a:fillRef>
+          <a:effectRef idx="0">
+            <a:schemeClr val="accent1"/>
+          </a:effectRef>
+          <a:fontRef idx="minor">
+            <a:schemeClr val="lt1"/>
+          </a:fontRef>
+        </p:style>
+        <p:txBody>
+          <a:bodyPr rtlCol="0" anchor="ctr"/>
+          <a:lstStyle/>
+          <a:p>
+            <a:pPr algn="ctr"/>
+            <a:endParaRPr lang="en-US"/>
+          </a:p>
+        </p:txBody>
+      </p:sp>
+      <p:sp>
+        <p:nvSpPr>
+          <p:cNvPr id="12" name="Retângulo 11">
+            <a:extLst>
+              <a:ext uri="{FF2B5EF4-FFF2-40B4-BE49-F238E27FC236}">
+                <a16:creationId xmlns:a16="http://schemas.microsoft.com/office/drawing/2014/main" id="{2B8D935C-B5BF-0D82-B3A8-09C1951AA059}"/>
+              </a:ext>
+            </a:extLst>
+          </p:cNvPr>
+          <p:cNvSpPr/>
+          <p:nvPr/>
+        </p:nvSpPr>
+        <p:spPr>
+          <a:xfrm>
+            <a:off x="4857134" y="1946788"/>
+            <a:ext cx="2005781" cy="315150"/>
+          </a:xfrm>
+          <a:prstGeom prst="rect">
+            <a:avLst/>
+          </a:prstGeom>
+          <a:noFill/>
+          <a:ln>
+            <a:solidFill>
+              <a:srgbClr val="FF0000"/>
+            </a:solidFill>
+          </a:ln>
+        </p:spPr>
+        <p:style>
+          <a:lnRef idx="2">
+            <a:schemeClr val="accent1">
+              <a:shade val="15000"/>
+            </a:schemeClr>
+          </a:lnRef>
+          <a:fillRef idx="1">
+            <a:schemeClr val="accent1"/>
+          </a:fillRef>
+          <a:effectRef idx="0">
+            <a:schemeClr val="accent1"/>
+          </a:effectRef>
+          <a:fontRef idx="minor">
+            <a:schemeClr val="lt1"/>
+          </a:fontRef>
+        </p:style>
+        <p:txBody>
+          <a:bodyPr rtlCol="0" anchor="ctr"/>
+          <a:lstStyle/>
+          <a:p>
+            <a:pPr algn="ctr"/>
+            <a:endParaRPr lang="en-US"/>
+          </a:p>
+        </p:txBody>
+      </p:sp>
+      <p:sp>
+        <p:nvSpPr>
+          <p:cNvPr id="15" name="Elipse 14">
+            <a:extLst>
+              <a:ext uri="{FF2B5EF4-FFF2-40B4-BE49-F238E27FC236}">
+                <a16:creationId xmlns:a16="http://schemas.microsoft.com/office/drawing/2014/main" id="{8263DA0E-0DC1-0421-BE03-F5EF7089778C}"/>
+              </a:ext>
+            </a:extLst>
+          </p:cNvPr>
+          <p:cNvSpPr/>
+          <p:nvPr/>
+        </p:nvSpPr>
+        <p:spPr>
+          <a:xfrm>
+            <a:off x="4603365" y="636189"/>
+            <a:ext cx="202814" cy="202814"/>
+          </a:xfrm>
+          <a:prstGeom prst="ellipse">
+            <a:avLst/>
+          </a:prstGeom>
+          <a:solidFill>
+            <a:srgbClr val="7030A0"/>
+          </a:solidFill>
+        </p:spPr>
+        <p:style>
+          <a:lnRef idx="2">
+            <a:schemeClr val="accent1">
+              <a:shade val="15000"/>
+            </a:schemeClr>
+          </a:lnRef>
+          <a:fillRef idx="1">
+            <a:schemeClr val="accent1"/>
+          </a:fillRef>
+          <a:effectRef idx="0">
+            <a:schemeClr val="accent1"/>
+          </a:effectRef>
+          <a:fontRef idx="minor">
+            <a:schemeClr val="lt1"/>
+          </a:fontRef>
+        </p:style>
+        <p:txBody>
+          <a:bodyPr rtlCol="0" anchor="ctr"/>
+          <a:lstStyle/>
+          <a:p>
+            <a:pPr algn="ctr"/>
+            <a:r>
+              <a:rPr lang="en-US" sz="1200" dirty="0"/>
+              <a:t>1</a:t>
+            </a:r>
+          </a:p>
+        </p:txBody>
+      </p:sp>
+      <p:sp>
+        <p:nvSpPr>
+          <p:cNvPr id="16" name="Elipse 15">
+            <a:extLst>
+              <a:ext uri="{FF2B5EF4-FFF2-40B4-BE49-F238E27FC236}">
+                <a16:creationId xmlns:a16="http://schemas.microsoft.com/office/drawing/2014/main" id="{CA0AE87D-5960-D62F-8DB3-092E775A06AE}"/>
+              </a:ext>
+            </a:extLst>
+          </p:cNvPr>
+          <p:cNvSpPr/>
+          <p:nvPr/>
+        </p:nvSpPr>
+        <p:spPr>
+          <a:xfrm>
+            <a:off x="4040469" y="1442026"/>
+            <a:ext cx="202814" cy="202814"/>
+          </a:xfrm>
+          <a:prstGeom prst="ellipse">
+            <a:avLst/>
+          </a:prstGeom>
+          <a:solidFill>
+            <a:srgbClr val="7030A0"/>
+          </a:solidFill>
+        </p:spPr>
+        <p:style>
+          <a:lnRef idx="2">
+            <a:schemeClr val="accent1">
+              <a:shade val="15000"/>
+            </a:schemeClr>
+          </a:lnRef>
+          <a:fillRef idx="1">
+            <a:schemeClr val="accent1"/>
+          </a:fillRef>
+          <a:effectRef idx="0">
+            <a:schemeClr val="accent1"/>
+          </a:effectRef>
+          <a:fontRef idx="minor">
+            <a:schemeClr val="lt1"/>
+          </a:fontRef>
+        </p:style>
+        <p:txBody>
+          <a:bodyPr rtlCol="0" anchor="ctr"/>
+          <a:lstStyle/>
+          <a:p>
+            <a:pPr algn="ctr"/>
+            <a:r>
+              <a:rPr lang="en-US" sz="1200" dirty="0"/>
+              <a:t>2</a:t>
+            </a:r>
+          </a:p>
+        </p:txBody>
+      </p:sp>
+      <p:sp>
+        <p:nvSpPr>
+          <p:cNvPr id="17" name="Elipse 16">
+            <a:extLst>
+              <a:ext uri="{FF2B5EF4-FFF2-40B4-BE49-F238E27FC236}">
+                <a16:creationId xmlns:a16="http://schemas.microsoft.com/office/drawing/2014/main" id="{C0D57B8D-A319-1891-A8C1-72B7D2E00B53}"/>
+              </a:ext>
+            </a:extLst>
+          </p:cNvPr>
+          <p:cNvSpPr/>
+          <p:nvPr/>
+        </p:nvSpPr>
+        <p:spPr>
+          <a:xfrm>
+            <a:off x="3639408" y="4342049"/>
+            <a:ext cx="202814" cy="202814"/>
+          </a:xfrm>
+          <a:prstGeom prst="ellipse">
+            <a:avLst/>
+          </a:prstGeom>
+          <a:solidFill>
+            <a:srgbClr val="7030A0"/>
+          </a:solidFill>
+        </p:spPr>
+        <p:style>
+          <a:lnRef idx="2">
+            <a:schemeClr val="accent1">
+              <a:shade val="15000"/>
+            </a:schemeClr>
+          </a:lnRef>
+          <a:fillRef idx="1">
+            <a:schemeClr val="accent1"/>
+          </a:fillRef>
+          <a:effectRef idx="0">
+            <a:schemeClr val="accent1"/>
+          </a:effectRef>
+          <a:fontRef idx="minor">
+            <a:schemeClr val="lt1"/>
+          </a:fontRef>
+        </p:style>
+        <p:txBody>
+          <a:bodyPr rtlCol="0" anchor="ctr"/>
+          <a:lstStyle/>
+          <a:p>
+            <a:pPr algn="ctr"/>
+            <a:r>
+              <a:rPr lang="en-US" sz="1200" dirty="0"/>
+              <a:t>3</a:t>
+            </a:r>
+          </a:p>
+        </p:txBody>
+      </p:sp>
+      <p:sp>
+        <p:nvSpPr>
+          <p:cNvPr id="18" name="Elipse 17">
+            <a:extLst>
+              <a:ext uri="{FF2B5EF4-FFF2-40B4-BE49-F238E27FC236}">
+                <a16:creationId xmlns:a16="http://schemas.microsoft.com/office/drawing/2014/main" id="{B6BEF5C4-CEFB-0A9A-3D64-9AE57F4AC8CC}"/>
+              </a:ext>
+            </a:extLst>
+          </p:cNvPr>
+          <p:cNvSpPr/>
+          <p:nvPr/>
+        </p:nvSpPr>
+        <p:spPr>
+          <a:xfrm>
+            <a:off x="6915044" y="2002956"/>
+            <a:ext cx="202814" cy="202814"/>
+          </a:xfrm>
+          <a:prstGeom prst="ellipse">
+            <a:avLst/>
+          </a:prstGeom>
+          <a:solidFill>
+            <a:srgbClr val="7030A0"/>
+          </a:solidFill>
+        </p:spPr>
+        <p:style>
+          <a:lnRef idx="2">
+            <a:schemeClr val="accent1">
+              <a:shade val="15000"/>
+            </a:schemeClr>
+          </a:lnRef>
+          <a:fillRef idx="1">
+            <a:schemeClr val="accent1"/>
+          </a:fillRef>
+          <a:effectRef idx="0">
+            <a:schemeClr val="accent1"/>
+          </a:effectRef>
+          <a:fontRef idx="minor">
+            <a:schemeClr val="lt1"/>
+          </a:fontRef>
+        </p:style>
+        <p:txBody>
+          <a:bodyPr rtlCol="0" anchor="ctr"/>
+          <a:lstStyle/>
+          <a:p>
+            <a:pPr algn="ctr"/>
+            <a:r>
+              <a:rPr lang="en-US" sz="1200" dirty="0"/>
+              <a:t>4</a:t>
+            </a:r>
+          </a:p>
+        </p:txBody>
+      </p:sp>
+    </p:spTree>
+    <p:extLst>
+      <p:ext uri="{BB962C8B-B14F-4D97-AF65-F5344CB8AC3E}">
+        <p14:creationId xmlns:p14="http://schemas.microsoft.com/office/powerpoint/2010/main" val="2009364366"/>
+      </p:ext>
+    </p:extLst>
+  </p:cSld>
+  <p:clrMapOvr>
+    <a:masterClrMapping/>
+  </p:clrMapOvr>
+</p:sld>
+</file>
+
+<file path=ppt/slides/slide23.xml><?xml version="1.0" encoding="utf-8"?>
+<p:sld xmlns:a="http://schemas.openxmlformats.org/drawingml/2006/main" xmlns:r="http://schemas.openxmlformats.org/officeDocument/2006/relationships" xmlns:p="http://schemas.openxmlformats.org/presentationml/2006/main">
+  <p:cSld>
+    <p:spTree>
+      <p:nvGrpSpPr>
+        <p:cNvPr id="1" name="">
+          <a:extLst>
+            <a:ext uri="{FF2B5EF4-FFF2-40B4-BE49-F238E27FC236}">
+              <a16:creationId xmlns:a16="http://schemas.microsoft.com/office/drawing/2014/main" id="{E7CD8DB7-D562-80FC-10C6-CD2E800A092E}"/>
+            </a:ext>
+          </a:extLst>
+        </p:cNvPr>
+        <p:cNvGrpSpPr/>
+        <p:nvPr/>
+      </p:nvGrpSpPr>
+      <p:grpSpPr>
+        <a:xfrm>
+          <a:off x="0" y="0"/>
+          <a:ext cx="0" cy="0"/>
+          <a:chOff x="0" y="0"/>
+          <a:chExt cx="0" cy="0"/>
+        </a:xfrm>
+      </p:grpSpPr>
+      <p:sp>
+        <p:nvSpPr>
+          <p:cNvPr id="2" name="Título 1">
+            <a:extLst>
+              <a:ext uri="{FF2B5EF4-FFF2-40B4-BE49-F238E27FC236}">
+                <a16:creationId xmlns:a16="http://schemas.microsoft.com/office/drawing/2014/main" id="{5911F8A2-352E-DB40-4FB4-A276AA7055C0}"/>
+              </a:ext>
+            </a:extLst>
+          </p:cNvPr>
+          <p:cNvSpPr>
+            <a:spLocks noGrp="1"/>
+          </p:cNvSpPr>
+          <p:nvPr>
+            <p:ph type="title"/>
+          </p:nvPr>
+        </p:nvSpPr>
+        <p:spPr>
+          <a:xfrm>
+            <a:off x="0" y="0"/>
+            <a:ext cx="5523271" cy="931739"/>
+          </a:xfrm>
+        </p:spPr>
+        <p:txBody>
+          <a:bodyPr>
+            <a:normAutofit/>
+          </a:bodyPr>
+          <a:lstStyle/>
+          <a:p>
+            <a:r>
+              <a:rPr lang="en-US" b="1" dirty="0" err="1">
+                <a:solidFill>
+                  <a:srgbClr val="6E4F8A"/>
+                </a:solidFill>
+              </a:rPr>
+              <a:t>Instalando</a:t>
+            </a:r>
+            <a:r>
+              <a:rPr lang="en-US" b="1" dirty="0">
+                <a:solidFill>
+                  <a:srgbClr val="6E4F8A"/>
+                </a:solidFill>
+              </a:rPr>
+              <a:t> Git</a:t>
+            </a:r>
+          </a:p>
+        </p:txBody>
+      </p:sp>
+      <p:sp>
+        <p:nvSpPr>
+          <p:cNvPr id="13" name="Espaço Reservado para Número de Slide 12">
+            <a:extLst>
+              <a:ext uri="{FF2B5EF4-FFF2-40B4-BE49-F238E27FC236}">
+                <a16:creationId xmlns:a16="http://schemas.microsoft.com/office/drawing/2014/main" id="{30446B86-C999-7AD0-C882-4401CC9BE043}"/>
+              </a:ext>
+            </a:extLst>
+          </p:cNvPr>
+          <p:cNvSpPr>
+            <a:spLocks noGrp="1"/>
+          </p:cNvSpPr>
+          <p:nvPr>
+            <p:ph type="sldNum" sz="quarter" idx="12"/>
+          </p:nvPr>
+        </p:nvSpPr>
+        <p:spPr/>
+        <p:txBody>
+          <a:bodyPr/>
+          <a:lstStyle/>
+          <a:p>
+            <a:fld id="{79B5B39C-3780-455C-80CA-14351220CBC6}" type="slidenum">
+              <a:rPr lang="en-US" smtClean="0"/>
+              <a:t>23</a:t>
+            </a:fld>
+            <a:endParaRPr lang="en-US"/>
+          </a:p>
+        </p:txBody>
+      </p:sp>
+      <p:pic>
+        <p:nvPicPr>
+          <p:cNvPr id="7" name="Imagem 6" descr="Tela de computador com texto preto sobre fundo branco&#10;&#10;O conteúdo gerado por IA pode estar incorreto.">
+            <a:extLst>
+              <a:ext uri="{FF2B5EF4-FFF2-40B4-BE49-F238E27FC236}">
+                <a16:creationId xmlns:a16="http://schemas.microsoft.com/office/drawing/2014/main" id="{C7D59EE1-4DBA-BCFE-C7D6-DD0B1F0E5FC0}"/>
+              </a:ext>
+            </a:extLst>
+          </p:cNvPr>
+          <p:cNvPicPr>
+            <a:picLocks noChangeAspect="1"/>
+          </p:cNvPicPr>
+          <p:nvPr/>
+        </p:nvPicPr>
+        <p:blipFill>
+          <a:blip r:embed="rId2">
+            <a:extLst>
+              <a:ext uri="{28A0092B-C50C-407E-A947-70E740481C1C}">
+                <a14:useLocalDpi xmlns:a14="http://schemas.microsoft.com/office/drawing/2010/main" val="0"/>
+              </a:ext>
+            </a:extLst>
+          </a:blip>
+          <a:stretch>
+            <a:fillRect/>
+          </a:stretch>
+        </p:blipFill>
+        <p:spPr>
+          <a:xfrm>
+            <a:off x="2160638" y="790013"/>
+            <a:ext cx="7870723" cy="5931462"/>
+          </a:xfrm>
+          <a:prstGeom prst="rect">
+            <a:avLst/>
+          </a:prstGeom>
+        </p:spPr>
+      </p:pic>
+      <p:sp>
+        <p:nvSpPr>
+          <p:cNvPr id="8" name="Retângulo 7">
+            <a:extLst>
+              <a:ext uri="{FF2B5EF4-FFF2-40B4-BE49-F238E27FC236}">
+                <a16:creationId xmlns:a16="http://schemas.microsoft.com/office/drawing/2014/main" id="{E8E16C41-35DB-8FEA-9600-A20CE5D81CA1}"/>
+              </a:ext>
+            </a:extLst>
+          </p:cNvPr>
+          <p:cNvSpPr/>
+          <p:nvPr/>
+        </p:nvSpPr>
+        <p:spPr>
+          <a:xfrm>
+            <a:off x="4552410" y="931740"/>
+            <a:ext cx="304725" cy="238300"/>
+          </a:xfrm>
+          <a:prstGeom prst="rect">
+            <a:avLst/>
+          </a:prstGeom>
+          <a:noFill/>
+          <a:ln>
+            <a:solidFill>
+              <a:srgbClr val="FF0000"/>
+            </a:solidFill>
+          </a:ln>
+        </p:spPr>
+        <p:style>
+          <a:lnRef idx="2">
+            <a:schemeClr val="accent1">
+              <a:shade val="15000"/>
+            </a:schemeClr>
+          </a:lnRef>
+          <a:fillRef idx="1">
+            <a:schemeClr val="accent1"/>
+          </a:fillRef>
+          <a:effectRef idx="0">
+            <a:schemeClr val="accent1"/>
+          </a:effectRef>
+          <a:fontRef idx="minor">
+            <a:schemeClr val="lt1"/>
+          </a:fontRef>
+        </p:style>
+        <p:txBody>
+          <a:bodyPr rtlCol="0" anchor="ctr"/>
+          <a:lstStyle/>
+          <a:p>
+            <a:pPr algn="ctr"/>
+            <a:endParaRPr lang="en-US"/>
+          </a:p>
+        </p:txBody>
+      </p:sp>
+      <p:sp>
+        <p:nvSpPr>
+          <p:cNvPr id="9" name="Retângulo 8">
+            <a:extLst>
+              <a:ext uri="{FF2B5EF4-FFF2-40B4-BE49-F238E27FC236}">
+                <a16:creationId xmlns:a16="http://schemas.microsoft.com/office/drawing/2014/main" id="{DC7A9DFC-1CAB-B856-93C4-77D17192F5DE}"/>
+              </a:ext>
+            </a:extLst>
+          </p:cNvPr>
+          <p:cNvSpPr/>
+          <p:nvPr/>
+        </p:nvSpPr>
+        <p:spPr>
+          <a:xfrm>
+            <a:off x="3898565" y="1721752"/>
+            <a:ext cx="486622" cy="225035"/>
+          </a:xfrm>
+          <a:prstGeom prst="rect">
+            <a:avLst/>
+          </a:prstGeom>
+          <a:noFill/>
+          <a:ln>
+            <a:solidFill>
+              <a:srgbClr val="FF0000"/>
+            </a:solidFill>
+          </a:ln>
+        </p:spPr>
+        <p:style>
+          <a:lnRef idx="2">
+            <a:schemeClr val="accent1">
+              <a:shade val="15000"/>
+            </a:schemeClr>
+          </a:lnRef>
+          <a:fillRef idx="1">
+            <a:schemeClr val="accent1"/>
+          </a:fillRef>
+          <a:effectRef idx="0">
+            <a:schemeClr val="accent1"/>
+          </a:effectRef>
+          <a:fontRef idx="minor">
+            <a:schemeClr val="lt1"/>
+          </a:fontRef>
+        </p:style>
+        <p:txBody>
+          <a:bodyPr rtlCol="0" anchor="ctr"/>
+          <a:lstStyle/>
+          <a:p>
+            <a:pPr algn="ctr"/>
+            <a:endParaRPr lang="en-US"/>
+          </a:p>
+        </p:txBody>
+      </p:sp>
+      <p:sp>
+        <p:nvSpPr>
+          <p:cNvPr id="10" name="Retângulo 9">
+            <a:extLst>
+              <a:ext uri="{FF2B5EF4-FFF2-40B4-BE49-F238E27FC236}">
+                <a16:creationId xmlns:a16="http://schemas.microsoft.com/office/drawing/2014/main" id="{B1DA4118-35B5-9B3C-5E49-EFFD3B9549A0}"/>
+              </a:ext>
+            </a:extLst>
+          </p:cNvPr>
+          <p:cNvSpPr/>
+          <p:nvPr/>
+        </p:nvSpPr>
+        <p:spPr>
+          <a:xfrm>
+            <a:off x="3898565" y="4342049"/>
+            <a:ext cx="958570" cy="225035"/>
+          </a:xfrm>
+          <a:prstGeom prst="rect">
+            <a:avLst/>
+          </a:prstGeom>
+          <a:noFill/>
+          <a:ln>
+            <a:solidFill>
+              <a:srgbClr val="FF0000"/>
+            </a:solidFill>
+          </a:ln>
+        </p:spPr>
+        <p:style>
+          <a:lnRef idx="2">
+            <a:schemeClr val="accent1">
+              <a:shade val="15000"/>
+            </a:schemeClr>
+          </a:lnRef>
+          <a:fillRef idx="1">
+            <a:schemeClr val="accent1"/>
+          </a:fillRef>
+          <a:effectRef idx="0">
+            <a:schemeClr val="accent1"/>
+          </a:effectRef>
+          <a:fontRef idx="minor">
+            <a:schemeClr val="lt1"/>
+          </a:fontRef>
+        </p:style>
+        <p:txBody>
+          <a:bodyPr rtlCol="0" anchor="ctr"/>
+          <a:lstStyle/>
+          <a:p>
+            <a:pPr algn="ctr"/>
+            <a:endParaRPr lang="en-US"/>
+          </a:p>
+        </p:txBody>
+      </p:sp>
+      <p:sp>
+        <p:nvSpPr>
+          <p:cNvPr id="12" name="Retângulo 11">
+            <a:extLst>
+              <a:ext uri="{FF2B5EF4-FFF2-40B4-BE49-F238E27FC236}">
+                <a16:creationId xmlns:a16="http://schemas.microsoft.com/office/drawing/2014/main" id="{B131C514-1195-2BD0-7C78-F88D8F62564A}"/>
+              </a:ext>
+            </a:extLst>
+          </p:cNvPr>
+          <p:cNvSpPr/>
+          <p:nvPr/>
+        </p:nvSpPr>
+        <p:spPr>
+          <a:xfrm>
+            <a:off x="4857134" y="1946788"/>
+            <a:ext cx="2005781" cy="315150"/>
+          </a:xfrm>
+          <a:prstGeom prst="rect">
+            <a:avLst/>
+          </a:prstGeom>
+          <a:noFill/>
+          <a:ln>
+            <a:solidFill>
+              <a:srgbClr val="FF0000"/>
+            </a:solidFill>
+          </a:ln>
+        </p:spPr>
+        <p:style>
+          <a:lnRef idx="2">
+            <a:schemeClr val="accent1">
+              <a:shade val="15000"/>
+            </a:schemeClr>
+          </a:lnRef>
+          <a:fillRef idx="1">
+            <a:schemeClr val="accent1"/>
+          </a:fillRef>
+          <a:effectRef idx="0">
+            <a:schemeClr val="accent1"/>
+          </a:effectRef>
+          <a:fontRef idx="minor">
+            <a:schemeClr val="lt1"/>
+          </a:fontRef>
+        </p:style>
+        <p:txBody>
+          <a:bodyPr rtlCol="0" anchor="ctr"/>
+          <a:lstStyle/>
+          <a:p>
+            <a:pPr algn="ctr"/>
+            <a:endParaRPr lang="en-US"/>
+          </a:p>
+        </p:txBody>
+      </p:sp>
+      <p:sp>
+        <p:nvSpPr>
+          <p:cNvPr id="14" name="Retângulo 13">
+            <a:extLst>
+              <a:ext uri="{FF2B5EF4-FFF2-40B4-BE49-F238E27FC236}">
+                <a16:creationId xmlns:a16="http://schemas.microsoft.com/office/drawing/2014/main" id="{C2FA1F8A-67D3-2EBB-B646-A29105F1DF50}"/>
+              </a:ext>
+            </a:extLst>
+          </p:cNvPr>
+          <p:cNvSpPr/>
+          <p:nvPr/>
+        </p:nvSpPr>
+        <p:spPr>
+          <a:xfrm>
+            <a:off x="4857133" y="2515951"/>
+            <a:ext cx="1832425" cy="315150"/>
+          </a:xfrm>
+          <a:prstGeom prst="rect">
+            <a:avLst/>
+          </a:prstGeom>
+          <a:noFill/>
+          <a:ln>
+            <a:solidFill>
+              <a:srgbClr val="FF0000"/>
+            </a:solidFill>
+          </a:ln>
+        </p:spPr>
+        <p:style>
+          <a:lnRef idx="2">
+            <a:schemeClr val="accent1">
+              <a:shade val="15000"/>
+            </a:schemeClr>
+          </a:lnRef>
+          <a:fillRef idx="1">
+            <a:schemeClr val="accent1"/>
+          </a:fillRef>
+          <a:effectRef idx="0">
+            <a:schemeClr val="accent1"/>
+          </a:effectRef>
+          <a:fontRef idx="minor">
+            <a:schemeClr val="lt1"/>
+          </a:fontRef>
+        </p:style>
+        <p:txBody>
+          <a:bodyPr rtlCol="0" anchor="ctr"/>
+          <a:lstStyle/>
+          <a:p>
+            <a:pPr algn="ctr"/>
+            <a:endParaRPr lang="en-US"/>
+          </a:p>
+        </p:txBody>
+      </p:sp>
+      <p:sp>
+        <p:nvSpPr>
+          <p:cNvPr id="15" name="Elipse 14">
+            <a:extLst>
+              <a:ext uri="{FF2B5EF4-FFF2-40B4-BE49-F238E27FC236}">
+                <a16:creationId xmlns:a16="http://schemas.microsoft.com/office/drawing/2014/main" id="{59D5CDF8-24C5-90E4-0E7C-54FA50043B4D}"/>
+              </a:ext>
+            </a:extLst>
+          </p:cNvPr>
+          <p:cNvSpPr/>
+          <p:nvPr/>
+        </p:nvSpPr>
+        <p:spPr>
+          <a:xfrm>
+            <a:off x="4603365" y="636189"/>
+            <a:ext cx="202814" cy="202814"/>
+          </a:xfrm>
+          <a:prstGeom prst="ellipse">
+            <a:avLst/>
+          </a:prstGeom>
+          <a:solidFill>
+            <a:srgbClr val="7030A0"/>
+          </a:solidFill>
+        </p:spPr>
+        <p:style>
+          <a:lnRef idx="2">
+            <a:schemeClr val="accent1">
+              <a:shade val="15000"/>
+            </a:schemeClr>
+          </a:lnRef>
+          <a:fillRef idx="1">
+            <a:schemeClr val="accent1"/>
+          </a:fillRef>
+          <a:effectRef idx="0">
+            <a:schemeClr val="accent1"/>
+          </a:effectRef>
+          <a:fontRef idx="minor">
+            <a:schemeClr val="lt1"/>
+          </a:fontRef>
+        </p:style>
+        <p:txBody>
+          <a:bodyPr rtlCol="0" anchor="ctr"/>
+          <a:lstStyle/>
+          <a:p>
+            <a:pPr algn="ctr"/>
+            <a:r>
+              <a:rPr lang="en-US" sz="1200" dirty="0"/>
+              <a:t>1</a:t>
+            </a:r>
+          </a:p>
+        </p:txBody>
+      </p:sp>
+      <p:sp>
+        <p:nvSpPr>
+          <p:cNvPr id="16" name="Elipse 15">
+            <a:extLst>
+              <a:ext uri="{FF2B5EF4-FFF2-40B4-BE49-F238E27FC236}">
+                <a16:creationId xmlns:a16="http://schemas.microsoft.com/office/drawing/2014/main" id="{6B540523-50EB-F258-1E39-37082778AC0B}"/>
+              </a:ext>
+            </a:extLst>
+          </p:cNvPr>
+          <p:cNvSpPr/>
+          <p:nvPr/>
+        </p:nvSpPr>
+        <p:spPr>
+          <a:xfrm>
+            <a:off x="4040469" y="1442026"/>
+            <a:ext cx="202814" cy="202814"/>
+          </a:xfrm>
+          <a:prstGeom prst="ellipse">
+            <a:avLst/>
+          </a:prstGeom>
+          <a:solidFill>
+            <a:srgbClr val="7030A0"/>
+          </a:solidFill>
+        </p:spPr>
+        <p:style>
+          <a:lnRef idx="2">
+            <a:schemeClr val="accent1">
+              <a:shade val="15000"/>
+            </a:schemeClr>
+          </a:lnRef>
+          <a:fillRef idx="1">
+            <a:schemeClr val="accent1"/>
+          </a:fillRef>
+          <a:effectRef idx="0">
+            <a:schemeClr val="accent1"/>
+          </a:effectRef>
+          <a:fontRef idx="minor">
+            <a:schemeClr val="lt1"/>
+          </a:fontRef>
+        </p:style>
+        <p:txBody>
+          <a:bodyPr rtlCol="0" anchor="ctr"/>
+          <a:lstStyle/>
+          <a:p>
+            <a:pPr algn="ctr"/>
+            <a:r>
+              <a:rPr lang="en-US" sz="1200" dirty="0"/>
+              <a:t>2</a:t>
+            </a:r>
+          </a:p>
+        </p:txBody>
+      </p:sp>
+      <p:sp>
+        <p:nvSpPr>
+          <p:cNvPr id="17" name="Elipse 16">
+            <a:extLst>
+              <a:ext uri="{FF2B5EF4-FFF2-40B4-BE49-F238E27FC236}">
+                <a16:creationId xmlns:a16="http://schemas.microsoft.com/office/drawing/2014/main" id="{122C7B52-9D05-A9B3-6B4E-705F0A6D954E}"/>
+              </a:ext>
+            </a:extLst>
+          </p:cNvPr>
+          <p:cNvSpPr/>
+          <p:nvPr/>
+        </p:nvSpPr>
+        <p:spPr>
+          <a:xfrm>
+            <a:off x="3639408" y="4342049"/>
+            <a:ext cx="202814" cy="202814"/>
+          </a:xfrm>
+          <a:prstGeom prst="ellipse">
+            <a:avLst/>
+          </a:prstGeom>
+          <a:solidFill>
+            <a:srgbClr val="7030A0"/>
+          </a:solidFill>
+        </p:spPr>
+        <p:style>
+          <a:lnRef idx="2">
+            <a:schemeClr val="accent1">
+              <a:shade val="15000"/>
+            </a:schemeClr>
+          </a:lnRef>
+          <a:fillRef idx="1">
+            <a:schemeClr val="accent1"/>
+          </a:fillRef>
+          <a:effectRef idx="0">
+            <a:schemeClr val="accent1"/>
+          </a:effectRef>
+          <a:fontRef idx="minor">
+            <a:schemeClr val="lt1"/>
+          </a:fontRef>
+        </p:style>
+        <p:txBody>
+          <a:bodyPr rtlCol="0" anchor="ctr"/>
+          <a:lstStyle/>
+          <a:p>
+            <a:pPr algn="ctr"/>
+            <a:r>
+              <a:rPr lang="en-US" sz="1200" dirty="0"/>
+              <a:t>3</a:t>
+            </a:r>
+          </a:p>
+        </p:txBody>
+      </p:sp>
+      <p:sp>
+        <p:nvSpPr>
+          <p:cNvPr id="18" name="Elipse 17">
+            <a:extLst>
+              <a:ext uri="{FF2B5EF4-FFF2-40B4-BE49-F238E27FC236}">
+                <a16:creationId xmlns:a16="http://schemas.microsoft.com/office/drawing/2014/main" id="{882CD42A-5660-6167-9F04-23F5B11A8091}"/>
+              </a:ext>
+            </a:extLst>
+          </p:cNvPr>
+          <p:cNvSpPr/>
+          <p:nvPr/>
+        </p:nvSpPr>
+        <p:spPr>
+          <a:xfrm>
+            <a:off x="6915044" y="2002956"/>
+            <a:ext cx="202814" cy="202814"/>
+          </a:xfrm>
+          <a:prstGeom prst="ellipse">
+            <a:avLst/>
+          </a:prstGeom>
+          <a:solidFill>
+            <a:srgbClr val="7030A0"/>
+          </a:solidFill>
+        </p:spPr>
+        <p:style>
+          <a:lnRef idx="2">
+            <a:schemeClr val="accent1">
+              <a:shade val="15000"/>
+            </a:schemeClr>
+          </a:lnRef>
+          <a:fillRef idx="1">
+            <a:schemeClr val="accent1"/>
+          </a:fillRef>
+          <a:effectRef idx="0">
+            <a:schemeClr val="accent1"/>
+          </a:effectRef>
+          <a:fontRef idx="minor">
+            <a:schemeClr val="lt1"/>
+          </a:fontRef>
+        </p:style>
+        <p:txBody>
+          <a:bodyPr rtlCol="0" anchor="ctr"/>
+          <a:lstStyle/>
+          <a:p>
+            <a:pPr algn="ctr"/>
+            <a:r>
+              <a:rPr lang="en-US" sz="1200" dirty="0"/>
+              <a:t>4</a:t>
+            </a:r>
+          </a:p>
+        </p:txBody>
+      </p:sp>
+      <p:sp>
+        <p:nvSpPr>
+          <p:cNvPr id="19" name="Elipse 18">
+            <a:extLst>
+              <a:ext uri="{FF2B5EF4-FFF2-40B4-BE49-F238E27FC236}">
+                <a16:creationId xmlns:a16="http://schemas.microsoft.com/office/drawing/2014/main" id="{4450DBC4-FC8B-0A24-3F5E-8CD8EE68F56A}"/>
+              </a:ext>
+            </a:extLst>
+          </p:cNvPr>
+          <p:cNvSpPr/>
+          <p:nvPr/>
+        </p:nvSpPr>
+        <p:spPr>
+          <a:xfrm>
+            <a:off x="6761508" y="2415762"/>
+            <a:ext cx="202814" cy="202814"/>
+          </a:xfrm>
+          <a:prstGeom prst="ellipse">
+            <a:avLst/>
+          </a:prstGeom>
+          <a:solidFill>
+            <a:srgbClr val="7030A0"/>
+          </a:solidFill>
+        </p:spPr>
+        <p:style>
+          <a:lnRef idx="2">
+            <a:schemeClr val="accent1">
+              <a:shade val="15000"/>
+            </a:schemeClr>
+          </a:lnRef>
+          <a:fillRef idx="1">
+            <a:schemeClr val="accent1"/>
+          </a:fillRef>
+          <a:effectRef idx="0">
+            <a:schemeClr val="accent1"/>
+          </a:effectRef>
+          <a:fontRef idx="minor">
+            <a:schemeClr val="lt1"/>
+          </a:fontRef>
+        </p:style>
+        <p:txBody>
+          <a:bodyPr rtlCol="0" anchor="ctr"/>
+          <a:lstStyle/>
+          <a:p>
+            <a:pPr algn="ctr"/>
+            <a:r>
+              <a:rPr lang="en-US" sz="1200" dirty="0"/>
+              <a:t>5</a:t>
+            </a:r>
+          </a:p>
+        </p:txBody>
+      </p:sp>
+    </p:spTree>
+    <p:extLst>
+      <p:ext uri="{BB962C8B-B14F-4D97-AF65-F5344CB8AC3E}">
+        <p14:creationId xmlns:p14="http://schemas.microsoft.com/office/powerpoint/2010/main" val="2492911225"/>
+      </p:ext>
+    </p:extLst>
+  </p:cSld>
+  <p:clrMapOvr>
+    <a:masterClrMapping/>
+  </p:clrMapOvr>
+</p:sld>
+</file>
+
+<file path=ppt/slides/slide24.xml><?xml version="1.0" encoding="utf-8"?>
+<p:sld xmlns:a="http://schemas.openxmlformats.org/drawingml/2006/main" xmlns:r="http://schemas.openxmlformats.org/officeDocument/2006/relationships" xmlns:p="http://schemas.openxmlformats.org/presentationml/2006/main">
+  <p:cSld>
+    <p:spTree>
+      <p:nvGrpSpPr>
+        <p:cNvPr id="1" name="">
+          <a:extLst>
+            <a:ext uri="{FF2B5EF4-FFF2-40B4-BE49-F238E27FC236}">
+              <a16:creationId xmlns:a16="http://schemas.microsoft.com/office/drawing/2014/main" id="{70CF51B2-FA52-A84C-847C-ACA6AACB4538}"/>
+            </a:ext>
+          </a:extLst>
+        </p:cNvPr>
+        <p:cNvGrpSpPr/>
+        <p:nvPr/>
+      </p:nvGrpSpPr>
+      <p:grpSpPr>
+        <a:xfrm>
+          <a:off x="0" y="0"/>
+          <a:ext cx="0" cy="0"/>
+          <a:chOff x="0" y="0"/>
+          <a:chExt cx="0" cy="0"/>
+        </a:xfrm>
+      </p:grpSpPr>
+      <p:sp>
+        <p:nvSpPr>
+          <p:cNvPr id="2" name="Título 1">
+            <a:extLst>
+              <a:ext uri="{FF2B5EF4-FFF2-40B4-BE49-F238E27FC236}">
+                <a16:creationId xmlns:a16="http://schemas.microsoft.com/office/drawing/2014/main" id="{0FDF3A17-16B9-10A3-9ACD-F78CCDF0174C}"/>
+              </a:ext>
+            </a:extLst>
+          </p:cNvPr>
+          <p:cNvSpPr>
+            <a:spLocks noGrp="1"/>
+          </p:cNvSpPr>
+          <p:nvPr>
+            <p:ph type="title"/>
+          </p:nvPr>
+        </p:nvSpPr>
+        <p:spPr>
+          <a:xfrm>
+            <a:off x="0" y="0"/>
+            <a:ext cx="6760723" cy="931739"/>
+          </a:xfrm>
+        </p:spPr>
+        <p:txBody>
+          <a:bodyPr>
+            <a:normAutofit fontScale="90000"/>
+          </a:bodyPr>
+          <a:lstStyle/>
+          <a:p>
+            <a:r>
+              <a:rPr lang="en-US" b="1" dirty="0" err="1">
+                <a:solidFill>
+                  <a:srgbClr val="6E4F8A"/>
+                </a:solidFill>
+              </a:rPr>
+              <a:t>Criando</a:t>
+            </a:r>
+            <a:r>
+              <a:rPr lang="en-US" b="1" dirty="0">
+                <a:solidFill>
+                  <a:srgbClr val="6E4F8A"/>
+                </a:solidFill>
+              </a:rPr>
+              <a:t> </a:t>
+            </a:r>
+            <a:r>
+              <a:rPr lang="en-US" b="1" dirty="0" err="1">
+                <a:solidFill>
+                  <a:srgbClr val="6E4F8A"/>
+                </a:solidFill>
+              </a:rPr>
+              <a:t>uma</a:t>
+            </a:r>
+            <a:r>
+              <a:rPr lang="en-US" b="1" dirty="0">
+                <a:solidFill>
+                  <a:srgbClr val="6E4F8A"/>
+                </a:solidFill>
+              </a:rPr>
+              <a:t> </a:t>
+            </a:r>
+            <a:r>
+              <a:rPr lang="en-US" b="1" dirty="0" err="1">
+                <a:solidFill>
+                  <a:srgbClr val="6E4F8A"/>
+                </a:solidFill>
+              </a:rPr>
+              <a:t>conta</a:t>
+            </a:r>
+            <a:r>
+              <a:rPr lang="en-US" b="1" dirty="0">
+                <a:solidFill>
+                  <a:srgbClr val="6E4F8A"/>
+                </a:solidFill>
+              </a:rPr>
+              <a:t> no GitHub</a:t>
+            </a:r>
+          </a:p>
+        </p:txBody>
+      </p:sp>
+      <p:sp>
+        <p:nvSpPr>
+          <p:cNvPr id="13" name="Espaço Reservado para Número de Slide 12">
+            <a:extLst>
+              <a:ext uri="{FF2B5EF4-FFF2-40B4-BE49-F238E27FC236}">
+                <a16:creationId xmlns:a16="http://schemas.microsoft.com/office/drawing/2014/main" id="{08C60602-39F5-2557-8267-0C8D20E3FD6D}"/>
+              </a:ext>
+            </a:extLst>
+          </p:cNvPr>
+          <p:cNvSpPr>
+            <a:spLocks noGrp="1"/>
+          </p:cNvSpPr>
+          <p:nvPr>
+            <p:ph type="sldNum" sz="quarter" idx="12"/>
+          </p:nvPr>
+        </p:nvSpPr>
+        <p:spPr/>
+        <p:txBody>
+          <a:bodyPr/>
+          <a:lstStyle/>
+          <a:p>
+            <a:fld id="{79B5B39C-3780-455C-80CA-14351220CBC6}" type="slidenum">
+              <a:rPr lang="en-US" smtClean="0"/>
+              <a:t>24</a:t>
+            </a:fld>
+            <a:endParaRPr lang="en-US"/>
+          </a:p>
+        </p:txBody>
+      </p:sp>
+      <p:pic>
+        <p:nvPicPr>
+          <p:cNvPr id="4" name="Imagem 3" descr="Interface gráfica do usuário, Texto&#10;&#10;O conteúdo gerado por IA pode estar incorreto.">
+            <a:extLst>
+              <a:ext uri="{FF2B5EF4-FFF2-40B4-BE49-F238E27FC236}">
+                <a16:creationId xmlns:a16="http://schemas.microsoft.com/office/drawing/2014/main" id="{9E1B467E-E73B-DABD-B9C7-6BB7FEB72402}"/>
+              </a:ext>
+            </a:extLst>
+          </p:cNvPr>
+          <p:cNvPicPr>
+            <a:picLocks noChangeAspect="1"/>
+          </p:cNvPicPr>
+          <p:nvPr/>
+        </p:nvPicPr>
+        <p:blipFill>
+          <a:blip r:embed="rId2">
+            <a:extLst>
+              <a:ext uri="{28A0092B-C50C-407E-A947-70E740481C1C}">
+                <a14:useLocalDpi xmlns:a14="http://schemas.microsoft.com/office/drawing/2010/main" val="0"/>
+              </a:ext>
+            </a:extLst>
+          </a:blip>
+          <a:stretch>
+            <a:fillRect/>
+          </a:stretch>
+        </p:blipFill>
+        <p:spPr>
+          <a:xfrm>
+            <a:off x="0" y="1286879"/>
+            <a:ext cx="12192000" cy="5140271"/>
+          </a:xfrm>
+          <a:prstGeom prst="rect">
+            <a:avLst/>
+          </a:prstGeom>
+        </p:spPr>
+      </p:pic>
+      <p:sp>
+        <p:nvSpPr>
+          <p:cNvPr id="5" name="Retângulo 4">
+            <a:extLst>
+              <a:ext uri="{FF2B5EF4-FFF2-40B4-BE49-F238E27FC236}">
+                <a16:creationId xmlns:a16="http://schemas.microsoft.com/office/drawing/2014/main" id="{38C69184-6A23-CA9D-DE53-5F2E0F2D5792}"/>
+              </a:ext>
+            </a:extLst>
+          </p:cNvPr>
+          <p:cNvSpPr/>
+          <p:nvPr/>
+        </p:nvSpPr>
+        <p:spPr>
+          <a:xfrm>
+            <a:off x="11517548" y="1359754"/>
+            <a:ext cx="593387" cy="366821"/>
+          </a:xfrm>
+          <a:prstGeom prst="rect">
+            <a:avLst/>
+          </a:prstGeom>
+          <a:noFill/>
+          <a:ln>
+            <a:solidFill>
+              <a:srgbClr val="FF0000"/>
+            </a:solidFill>
+          </a:ln>
+        </p:spPr>
+        <p:style>
+          <a:lnRef idx="2">
+            <a:schemeClr val="accent1">
+              <a:shade val="15000"/>
+            </a:schemeClr>
+          </a:lnRef>
+          <a:fillRef idx="1">
+            <a:schemeClr val="accent1"/>
+          </a:fillRef>
+          <a:effectRef idx="0">
+            <a:schemeClr val="accent1"/>
+          </a:effectRef>
+          <a:fontRef idx="minor">
+            <a:schemeClr val="lt1"/>
+          </a:fontRef>
+        </p:style>
+        <p:txBody>
+          <a:bodyPr rtlCol="0" anchor="ctr"/>
+          <a:lstStyle/>
+          <a:p>
+            <a:pPr algn="r"/>
+            <a:endParaRPr lang="en-US"/>
+          </a:p>
+        </p:txBody>
+      </p:sp>
+      <p:sp>
+        <p:nvSpPr>
+          <p:cNvPr id="6" name="CaixaDeTexto 5">
+            <a:extLst>
+              <a:ext uri="{FF2B5EF4-FFF2-40B4-BE49-F238E27FC236}">
+                <a16:creationId xmlns:a16="http://schemas.microsoft.com/office/drawing/2014/main" id="{4CFEDE9A-1570-F451-FD4E-B5A4D5016360}"/>
+              </a:ext>
+            </a:extLst>
+          </p:cNvPr>
+          <p:cNvSpPr txBox="1"/>
+          <p:nvPr/>
+        </p:nvSpPr>
+        <p:spPr>
+          <a:xfrm>
+            <a:off x="77821" y="807888"/>
+            <a:ext cx="3125856" cy="369332"/>
+          </a:xfrm>
+          <a:prstGeom prst="rect">
+            <a:avLst/>
+          </a:prstGeom>
+          <a:noFill/>
+        </p:spPr>
+        <p:txBody>
+          <a:bodyPr wrap="none" rtlCol="0">
+            <a:spAutoFit/>
+          </a:bodyPr>
+          <a:lstStyle/>
+          <a:p>
+            <a:r>
+              <a:rPr lang="pt-BR" b="1" u="sng" dirty="0"/>
+              <a:t>Não use e-mail institucional</a:t>
+            </a:r>
+            <a:endParaRPr lang="en-US" b="1" u="sng" dirty="0"/>
+          </a:p>
+        </p:txBody>
+      </p:sp>
+    </p:spTree>
+    <p:extLst>
+      <p:ext uri="{BB962C8B-B14F-4D97-AF65-F5344CB8AC3E}">
+        <p14:creationId xmlns:p14="http://schemas.microsoft.com/office/powerpoint/2010/main" val="3533361548"/>
+      </p:ext>
+    </p:extLst>
+  </p:cSld>
+  <p:clrMapOvr>
+    <a:masterClrMapping/>
+  </p:clrMapOvr>
+</p:sld>
+</file>
+
+<file path=ppt/slides/slide25.xml><?xml version="1.0" encoding="utf-8"?>
+<p:sld xmlns:a="http://schemas.openxmlformats.org/drawingml/2006/main" xmlns:r="http://schemas.openxmlformats.org/officeDocument/2006/relationships" xmlns:p="http://schemas.openxmlformats.org/presentationml/2006/main">
+  <p:cSld>
+    <p:spTree>
+      <p:nvGrpSpPr>
+        <p:cNvPr id="1" name="">
+          <a:extLst>
+            <a:ext uri="{FF2B5EF4-FFF2-40B4-BE49-F238E27FC236}">
+              <a16:creationId xmlns:a16="http://schemas.microsoft.com/office/drawing/2014/main" id="{58FD5CE0-CBBC-34C9-846F-775466E979E7}"/>
+            </a:ext>
+          </a:extLst>
+        </p:cNvPr>
+        <p:cNvGrpSpPr/>
+        <p:nvPr/>
+      </p:nvGrpSpPr>
+      <p:grpSpPr>
+        <a:xfrm>
+          <a:off x="0" y="0"/>
+          <a:ext cx="0" cy="0"/>
+          <a:chOff x="0" y="0"/>
+          <a:chExt cx="0" cy="0"/>
+        </a:xfrm>
+      </p:grpSpPr>
+      <p:pic>
+        <p:nvPicPr>
+          <p:cNvPr id="10" name="Imagem 9" descr="Tela de celular com aplicativo aberto&#10;&#10;O conteúdo gerado por IA pode estar incorreto.">
+            <a:extLst>
+              <a:ext uri="{FF2B5EF4-FFF2-40B4-BE49-F238E27FC236}">
+                <a16:creationId xmlns:a16="http://schemas.microsoft.com/office/drawing/2014/main" id="{52CAC3D6-1F90-8C4E-14A3-54450085FC67}"/>
+              </a:ext>
+            </a:extLst>
+          </p:cNvPr>
+          <p:cNvPicPr>
+            <a:picLocks noChangeAspect="1"/>
+          </p:cNvPicPr>
+          <p:nvPr/>
+        </p:nvPicPr>
+        <p:blipFill>
+          <a:blip r:embed="rId2">
+            <a:extLst>
+              <a:ext uri="{28A0092B-C50C-407E-A947-70E740481C1C}">
+                <a14:useLocalDpi xmlns:a14="http://schemas.microsoft.com/office/drawing/2010/main" val="0"/>
+              </a:ext>
+            </a:extLst>
+          </a:blip>
+          <a:stretch>
+            <a:fillRect/>
+          </a:stretch>
+        </p:blipFill>
+        <p:spPr>
+          <a:xfrm>
+            <a:off x="0" y="749722"/>
+            <a:ext cx="12192000" cy="5358555"/>
+          </a:xfrm>
+          <a:prstGeom prst="rect">
+            <a:avLst/>
+          </a:prstGeom>
+        </p:spPr>
+      </p:pic>
+      <p:sp>
+        <p:nvSpPr>
+          <p:cNvPr id="2" name="Título 1">
+            <a:extLst>
+              <a:ext uri="{FF2B5EF4-FFF2-40B4-BE49-F238E27FC236}">
+                <a16:creationId xmlns:a16="http://schemas.microsoft.com/office/drawing/2014/main" id="{08F3D4A9-A5BA-A00F-C187-B6B7DDCAA0FC}"/>
+              </a:ext>
+            </a:extLst>
+          </p:cNvPr>
+          <p:cNvSpPr>
+            <a:spLocks noGrp="1"/>
+          </p:cNvSpPr>
+          <p:nvPr>
+            <p:ph type="title"/>
+          </p:nvPr>
+        </p:nvSpPr>
+        <p:spPr>
+          <a:xfrm>
+            <a:off x="0" y="0"/>
+            <a:ext cx="6760723" cy="931739"/>
+          </a:xfrm>
+        </p:spPr>
+        <p:txBody>
+          <a:bodyPr>
+            <a:normAutofit fontScale="90000"/>
+          </a:bodyPr>
+          <a:lstStyle/>
+          <a:p>
+            <a:r>
+              <a:rPr lang="en-US" b="1" dirty="0" err="1">
+                <a:solidFill>
+                  <a:srgbClr val="6E4F8A"/>
+                </a:solidFill>
+              </a:rPr>
+              <a:t>Criando</a:t>
+            </a:r>
+            <a:r>
+              <a:rPr lang="en-US" b="1" dirty="0">
+                <a:solidFill>
+                  <a:srgbClr val="6E4F8A"/>
+                </a:solidFill>
+              </a:rPr>
+              <a:t> </a:t>
+            </a:r>
+            <a:r>
+              <a:rPr lang="en-US" b="1" dirty="0" err="1">
+                <a:solidFill>
+                  <a:srgbClr val="6E4F8A"/>
+                </a:solidFill>
+              </a:rPr>
+              <a:t>uma</a:t>
+            </a:r>
+            <a:r>
+              <a:rPr lang="en-US" b="1" dirty="0">
+                <a:solidFill>
+                  <a:srgbClr val="6E4F8A"/>
+                </a:solidFill>
+              </a:rPr>
+              <a:t> </a:t>
+            </a:r>
+            <a:r>
+              <a:rPr lang="en-US" b="1" dirty="0" err="1">
+                <a:solidFill>
+                  <a:srgbClr val="6E4F8A"/>
+                </a:solidFill>
+              </a:rPr>
+              <a:t>conta</a:t>
+            </a:r>
+            <a:r>
+              <a:rPr lang="en-US" b="1" dirty="0">
+                <a:solidFill>
+                  <a:srgbClr val="6E4F8A"/>
+                </a:solidFill>
+              </a:rPr>
+              <a:t> no GitHub</a:t>
+            </a:r>
+          </a:p>
+        </p:txBody>
+      </p:sp>
+      <p:sp>
+        <p:nvSpPr>
+          <p:cNvPr id="13" name="Espaço Reservado para Número de Slide 12">
+            <a:extLst>
+              <a:ext uri="{FF2B5EF4-FFF2-40B4-BE49-F238E27FC236}">
+                <a16:creationId xmlns:a16="http://schemas.microsoft.com/office/drawing/2014/main" id="{4C1F85BF-2202-49AD-9A44-1EC195256496}"/>
+              </a:ext>
+            </a:extLst>
+          </p:cNvPr>
+          <p:cNvSpPr>
+            <a:spLocks noGrp="1"/>
+          </p:cNvSpPr>
+          <p:nvPr>
+            <p:ph type="sldNum" sz="quarter" idx="12"/>
+          </p:nvPr>
+        </p:nvSpPr>
+        <p:spPr/>
+        <p:txBody>
+          <a:bodyPr/>
+          <a:lstStyle/>
+          <a:p>
+            <a:fld id="{79B5B39C-3780-455C-80CA-14351220CBC6}" type="slidenum">
+              <a:rPr lang="en-US" smtClean="0"/>
+              <a:t>25</a:t>
+            </a:fld>
+            <a:endParaRPr lang="en-US"/>
+          </a:p>
+        </p:txBody>
+      </p:sp>
+      <p:sp>
+        <p:nvSpPr>
+          <p:cNvPr id="8" name="Retângulo 7">
+            <a:extLst>
+              <a:ext uri="{FF2B5EF4-FFF2-40B4-BE49-F238E27FC236}">
+                <a16:creationId xmlns:a16="http://schemas.microsoft.com/office/drawing/2014/main" id="{4DF45F2F-F203-1320-84E8-3D4DB75E0EE4}"/>
+              </a:ext>
+            </a:extLst>
+          </p:cNvPr>
+          <p:cNvSpPr/>
+          <p:nvPr/>
+        </p:nvSpPr>
+        <p:spPr>
+          <a:xfrm>
+            <a:off x="797668" y="1155473"/>
+            <a:ext cx="943584" cy="245310"/>
+          </a:xfrm>
+          <a:prstGeom prst="rect">
+            <a:avLst/>
+          </a:prstGeom>
+          <a:noFill/>
+          <a:ln>
+            <a:solidFill>
+              <a:srgbClr val="FF0000"/>
+            </a:solidFill>
+          </a:ln>
+        </p:spPr>
+        <p:style>
+          <a:lnRef idx="2">
+            <a:schemeClr val="accent1">
+              <a:shade val="15000"/>
+            </a:schemeClr>
+          </a:lnRef>
+          <a:fillRef idx="1">
+            <a:schemeClr val="accent1"/>
+          </a:fillRef>
+          <a:effectRef idx="0">
+            <a:schemeClr val="accent1"/>
+          </a:effectRef>
+          <a:fontRef idx="minor">
+            <a:schemeClr val="lt1"/>
+          </a:fontRef>
+        </p:style>
+        <p:txBody>
+          <a:bodyPr rtlCol="0" anchor="ctr"/>
+          <a:lstStyle/>
+          <a:p>
+            <a:pPr algn="r"/>
+            <a:endParaRPr lang="en-US"/>
+          </a:p>
+        </p:txBody>
+      </p:sp>
+      <p:sp>
+        <p:nvSpPr>
+          <p:cNvPr id="14" name="CaixaDeTexto 13">
+            <a:extLst>
+              <a:ext uri="{FF2B5EF4-FFF2-40B4-BE49-F238E27FC236}">
+                <a16:creationId xmlns:a16="http://schemas.microsoft.com/office/drawing/2014/main" id="{C68DA981-21F3-FAD5-B068-BF6F64FD9AE7}"/>
+              </a:ext>
+            </a:extLst>
+          </p:cNvPr>
+          <p:cNvSpPr txBox="1"/>
+          <p:nvPr/>
+        </p:nvSpPr>
+        <p:spPr>
+          <a:xfrm>
+            <a:off x="469361" y="1419719"/>
+            <a:ext cx="1583176" cy="769441"/>
+          </a:xfrm>
+          <a:prstGeom prst="rect">
+            <a:avLst/>
+          </a:prstGeom>
+          <a:noFill/>
+          <a:ln>
+            <a:solidFill>
+              <a:schemeClr val="accent5">
+                <a:lumMod val="60000"/>
+                <a:lumOff val="40000"/>
+              </a:schemeClr>
+            </a:solidFill>
+          </a:ln>
+        </p:spPr>
+        <p:txBody>
+          <a:bodyPr wrap="square" rtlCol="0">
+            <a:spAutoFit/>
+          </a:bodyPr>
+          <a:lstStyle/>
+          <a:p>
+            <a:pPr algn="ctr"/>
+            <a:r>
+              <a:rPr lang="pt-BR" sz="1100" b="1" dirty="0">
+                <a:solidFill>
+                  <a:schemeClr val="bg1"/>
+                </a:solidFill>
+              </a:rPr>
+              <a:t>Seus projetos/repositórios criados ou copiados</a:t>
+            </a:r>
+            <a:br>
+              <a:rPr lang="pt-BR" sz="1100" b="1" dirty="0">
+                <a:solidFill>
+                  <a:schemeClr val="bg1"/>
+                </a:solidFill>
+              </a:rPr>
+            </a:br>
+            <a:r>
+              <a:rPr lang="pt-BR" sz="1100" b="1" dirty="0">
+                <a:solidFill>
+                  <a:schemeClr val="bg1"/>
+                </a:solidFill>
+              </a:rPr>
+              <a:t>(</a:t>
+            </a:r>
+            <a:r>
+              <a:rPr lang="pt-BR" sz="1100" b="1" dirty="0" err="1">
+                <a:solidFill>
+                  <a:schemeClr val="bg1"/>
+                </a:solidFill>
+              </a:rPr>
+              <a:t>cloned</a:t>
+            </a:r>
+            <a:r>
+              <a:rPr lang="pt-BR" sz="1100" b="1" dirty="0">
+                <a:solidFill>
+                  <a:schemeClr val="bg1"/>
+                </a:solidFill>
+              </a:rPr>
+              <a:t>)</a:t>
+            </a:r>
+            <a:endParaRPr lang="en-US" sz="1100" b="1" dirty="0">
+              <a:solidFill>
+                <a:schemeClr val="bg1"/>
+              </a:solidFill>
+            </a:endParaRPr>
+          </a:p>
+        </p:txBody>
+      </p:sp>
+    </p:spTree>
+    <p:extLst>
+      <p:ext uri="{BB962C8B-B14F-4D97-AF65-F5344CB8AC3E}">
+        <p14:creationId xmlns:p14="http://schemas.microsoft.com/office/powerpoint/2010/main" val="797960159"/>
+      </p:ext>
+    </p:extLst>
+  </p:cSld>
+  <p:clrMapOvr>
+    <a:masterClrMapping/>
+  </p:clrMapOvr>
+</p:sld>
+</file>
+
+<file path=ppt/slides/slide26.xml><?xml version="1.0" encoding="utf-8"?>
+<p:sld xmlns:a="http://schemas.openxmlformats.org/drawingml/2006/main" xmlns:r="http://schemas.openxmlformats.org/officeDocument/2006/relationships" xmlns:p="http://schemas.openxmlformats.org/presentationml/2006/main">
+  <p:cSld>
+    <p:spTree>
+      <p:nvGrpSpPr>
+        <p:cNvPr id="1" name="">
+          <a:extLst>
+            <a:ext uri="{FF2B5EF4-FFF2-40B4-BE49-F238E27FC236}">
+              <a16:creationId xmlns:a16="http://schemas.microsoft.com/office/drawing/2014/main" id="{1C86C31B-554B-F22B-CF9B-BC98690140F1}"/>
+            </a:ext>
+          </a:extLst>
+        </p:cNvPr>
+        <p:cNvGrpSpPr/>
+        <p:nvPr/>
+      </p:nvGrpSpPr>
+      <p:grpSpPr>
+        <a:xfrm>
+          <a:off x="0" y="0"/>
+          <a:ext cx="0" cy="0"/>
+          <a:chOff x="0" y="0"/>
+          <a:chExt cx="0" cy="0"/>
+        </a:xfrm>
+      </p:grpSpPr>
+      <p:pic>
+        <p:nvPicPr>
+          <p:cNvPr id="10" name="Imagem 9" descr="Tela de celular com aplicativo aberto&#10;&#10;O conteúdo gerado por IA pode estar incorreto.">
+            <a:extLst>
+              <a:ext uri="{FF2B5EF4-FFF2-40B4-BE49-F238E27FC236}">
+                <a16:creationId xmlns:a16="http://schemas.microsoft.com/office/drawing/2014/main" id="{CF0CD26B-0649-03AD-7014-1757842AF778}"/>
+              </a:ext>
+            </a:extLst>
+          </p:cNvPr>
+          <p:cNvPicPr>
+            <a:picLocks noChangeAspect="1"/>
+          </p:cNvPicPr>
+          <p:nvPr/>
+        </p:nvPicPr>
+        <p:blipFill>
+          <a:blip r:embed="rId2">
+            <a:extLst>
+              <a:ext uri="{28A0092B-C50C-407E-A947-70E740481C1C}">
+                <a14:useLocalDpi xmlns:a14="http://schemas.microsoft.com/office/drawing/2010/main" val="0"/>
+              </a:ext>
+            </a:extLst>
+          </a:blip>
+          <a:stretch>
+            <a:fillRect/>
+          </a:stretch>
+        </p:blipFill>
+        <p:spPr>
+          <a:xfrm>
+            <a:off x="0" y="749722"/>
+            <a:ext cx="12192000" cy="5358555"/>
+          </a:xfrm>
+          <a:prstGeom prst="rect">
+            <a:avLst/>
+          </a:prstGeom>
+        </p:spPr>
+      </p:pic>
+      <p:sp>
+        <p:nvSpPr>
+          <p:cNvPr id="2" name="Título 1">
+            <a:extLst>
+              <a:ext uri="{FF2B5EF4-FFF2-40B4-BE49-F238E27FC236}">
+                <a16:creationId xmlns:a16="http://schemas.microsoft.com/office/drawing/2014/main" id="{2C2C4128-F9E0-A5C4-349D-7F53A1416E03}"/>
+              </a:ext>
+            </a:extLst>
+          </p:cNvPr>
+          <p:cNvSpPr>
+            <a:spLocks noGrp="1"/>
+          </p:cNvSpPr>
+          <p:nvPr>
+            <p:ph type="title"/>
+          </p:nvPr>
+        </p:nvSpPr>
+        <p:spPr>
+          <a:xfrm>
+            <a:off x="0" y="0"/>
+            <a:ext cx="6760723" cy="931739"/>
+          </a:xfrm>
+        </p:spPr>
+        <p:txBody>
+          <a:bodyPr>
+            <a:normAutofit fontScale="90000"/>
+          </a:bodyPr>
+          <a:lstStyle/>
+          <a:p>
+            <a:r>
+              <a:rPr lang="en-US" b="1" dirty="0" err="1">
+                <a:solidFill>
+                  <a:srgbClr val="6E4F8A"/>
+                </a:solidFill>
+              </a:rPr>
+              <a:t>Criando</a:t>
+            </a:r>
+            <a:r>
+              <a:rPr lang="en-US" b="1" dirty="0">
+                <a:solidFill>
+                  <a:srgbClr val="6E4F8A"/>
+                </a:solidFill>
+              </a:rPr>
+              <a:t> </a:t>
+            </a:r>
+            <a:r>
+              <a:rPr lang="en-US" b="1" dirty="0" err="1">
+                <a:solidFill>
+                  <a:srgbClr val="6E4F8A"/>
+                </a:solidFill>
+              </a:rPr>
+              <a:t>uma</a:t>
+            </a:r>
+            <a:r>
+              <a:rPr lang="en-US" b="1" dirty="0">
+                <a:solidFill>
+                  <a:srgbClr val="6E4F8A"/>
+                </a:solidFill>
+              </a:rPr>
+              <a:t> </a:t>
+            </a:r>
+            <a:r>
+              <a:rPr lang="en-US" b="1" dirty="0" err="1">
+                <a:solidFill>
+                  <a:srgbClr val="6E4F8A"/>
+                </a:solidFill>
+              </a:rPr>
+              <a:t>conta</a:t>
+            </a:r>
+            <a:r>
+              <a:rPr lang="en-US" b="1" dirty="0">
+                <a:solidFill>
+                  <a:srgbClr val="6E4F8A"/>
+                </a:solidFill>
+              </a:rPr>
+              <a:t> no GitHub</a:t>
+            </a:r>
+          </a:p>
+        </p:txBody>
+      </p:sp>
+      <p:sp>
+        <p:nvSpPr>
+          <p:cNvPr id="13" name="Espaço Reservado para Número de Slide 12">
+            <a:extLst>
+              <a:ext uri="{FF2B5EF4-FFF2-40B4-BE49-F238E27FC236}">
+                <a16:creationId xmlns:a16="http://schemas.microsoft.com/office/drawing/2014/main" id="{13FBB838-F65F-BD7B-446C-42A8D1EBFE21}"/>
+              </a:ext>
+            </a:extLst>
+          </p:cNvPr>
+          <p:cNvSpPr>
+            <a:spLocks noGrp="1"/>
+          </p:cNvSpPr>
+          <p:nvPr>
+            <p:ph type="sldNum" sz="quarter" idx="12"/>
+          </p:nvPr>
+        </p:nvSpPr>
+        <p:spPr/>
+        <p:txBody>
+          <a:bodyPr/>
+          <a:lstStyle/>
+          <a:p>
+            <a:fld id="{79B5B39C-3780-455C-80CA-14351220CBC6}" type="slidenum">
+              <a:rPr lang="en-US" smtClean="0"/>
+              <a:t>26</a:t>
+            </a:fld>
+            <a:endParaRPr lang="en-US"/>
+          </a:p>
+        </p:txBody>
+      </p:sp>
+      <p:sp>
+        <p:nvSpPr>
+          <p:cNvPr id="8" name="Retângulo 7">
+            <a:extLst>
+              <a:ext uri="{FF2B5EF4-FFF2-40B4-BE49-F238E27FC236}">
+                <a16:creationId xmlns:a16="http://schemas.microsoft.com/office/drawing/2014/main" id="{370A874A-6B88-8446-30D8-E3707DF6C6BC}"/>
+              </a:ext>
+            </a:extLst>
+          </p:cNvPr>
+          <p:cNvSpPr/>
+          <p:nvPr/>
+        </p:nvSpPr>
+        <p:spPr>
+          <a:xfrm>
+            <a:off x="797668" y="1155473"/>
+            <a:ext cx="943584" cy="245310"/>
+          </a:xfrm>
+          <a:prstGeom prst="rect">
+            <a:avLst/>
+          </a:prstGeom>
+          <a:noFill/>
+          <a:ln>
+            <a:solidFill>
+              <a:srgbClr val="FF0000"/>
+            </a:solidFill>
+          </a:ln>
+        </p:spPr>
+        <p:style>
+          <a:lnRef idx="2">
+            <a:schemeClr val="accent1">
+              <a:shade val="15000"/>
+            </a:schemeClr>
+          </a:lnRef>
+          <a:fillRef idx="1">
+            <a:schemeClr val="accent1"/>
+          </a:fillRef>
+          <a:effectRef idx="0">
+            <a:schemeClr val="accent1"/>
+          </a:effectRef>
+          <a:fontRef idx="minor">
+            <a:schemeClr val="lt1"/>
+          </a:fontRef>
+        </p:style>
+        <p:txBody>
+          <a:bodyPr rtlCol="0" anchor="ctr"/>
+          <a:lstStyle/>
+          <a:p>
+            <a:pPr algn="r"/>
+            <a:endParaRPr lang="en-US"/>
+          </a:p>
+        </p:txBody>
+      </p:sp>
+      <p:sp>
+        <p:nvSpPr>
+          <p:cNvPr id="11" name="Retângulo 10">
+            <a:extLst>
+              <a:ext uri="{FF2B5EF4-FFF2-40B4-BE49-F238E27FC236}">
+                <a16:creationId xmlns:a16="http://schemas.microsoft.com/office/drawing/2014/main" id="{B1D2CB03-9C12-A701-4CDF-60C926BFD73B}"/>
+              </a:ext>
+            </a:extLst>
+          </p:cNvPr>
+          <p:cNvSpPr/>
+          <p:nvPr/>
+        </p:nvSpPr>
+        <p:spPr>
+          <a:xfrm>
+            <a:off x="10483174" y="809084"/>
+            <a:ext cx="392349" cy="245310"/>
+          </a:xfrm>
+          <a:prstGeom prst="rect">
+            <a:avLst/>
+          </a:prstGeom>
+          <a:noFill/>
+          <a:ln>
+            <a:solidFill>
+              <a:srgbClr val="FF0000"/>
+            </a:solidFill>
+          </a:ln>
+        </p:spPr>
+        <p:style>
+          <a:lnRef idx="2">
+            <a:schemeClr val="accent1">
+              <a:shade val="15000"/>
+            </a:schemeClr>
+          </a:lnRef>
+          <a:fillRef idx="1">
+            <a:schemeClr val="accent1"/>
+          </a:fillRef>
+          <a:effectRef idx="0">
+            <a:schemeClr val="accent1"/>
+          </a:effectRef>
+          <a:fontRef idx="minor">
+            <a:schemeClr val="lt1"/>
+          </a:fontRef>
+        </p:style>
+        <p:txBody>
+          <a:bodyPr rtlCol="0" anchor="ctr"/>
+          <a:lstStyle/>
+          <a:p>
+            <a:pPr algn="r"/>
+            <a:endParaRPr lang="en-US"/>
+          </a:p>
+        </p:txBody>
+      </p:sp>
+      <p:sp>
+        <p:nvSpPr>
+          <p:cNvPr id="12" name="Retângulo 11">
+            <a:extLst>
+              <a:ext uri="{FF2B5EF4-FFF2-40B4-BE49-F238E27FC236}">
+                <a16:creationId xmlns:a16="http://schemas.microsoft.com/office/drawing/2014/main" id="{B84CC725-8243-D310-9880-98986059DDDE}"/>
+              </a:ext>
+            </a:extLst>
+          </p:cNvPr>
+          <p:cNvSpPr/>
+          <p:nvPr/>
+        </p:nvSpPr>
+        <p:spPr>
+          <a:xfrm>
+            <a:off x="10483174" y="1302467"/>
+            <a:ext cx="1297022" cy="234504"/>
+          </a:xfrm>
+          <a:prstGeom prst="rect">
+            <a:avLst/>
+          </a:prstGeom>
+          <a:noFill/>
+          <a:ln>
+            <a:solidFill>
+              <a:srgbClr val="FF0000"/>
+            </a:solidFill>
+          </a:ln>
+        </p:spPr>
+        <p:style>
+          <a:lnRef idx="2">
+            <a:schemeClr val="accent1">
+              <a:shade val="15000"/>
+            </a:schemeClr>
+          </a:lnRef>
+          <a:fillRef idx="1">
+            <a:schemeClr val="accent1"/>
+          </a:fillRef>
+          <a:effectRef idx="0">
+            <a:schemeClr val="accent1"/>
+          </a:effectRef>
+          <a:fontRef idx="minor">
+            <a:schemeClr val="lt1"/>
+          </a:fontRef>
+        </p:style>
+        <p:txBody>
+          <a:bodyPr rtlCol="0" anchor="ctr"/>
+          <a:lstStyle/>
+          <a:p>
+            <a:pPr algn="r"/>
+            <a:endParaRPr lang="en-US"/>
+          </a:p>
+        </p:txBody>
+      </p:sp>
+      <p:sp>
+        <p:nvSpPr>
+          <p:cNvPr id="14" name="CaixaDeTexto 13">
+            <a:extLst>
+              <a:ext uri="{FF2B5EF4-FFF2-40B4-BE49-F238E27FC236}">
+                <a16:creationId xmlns:a16="http://schemas.microsoft.com/office/drawing/2014/main" id="{C47620B6-5C87-04C4-713E-ABFB74B65771}"/>
+              </a:ext>
+            </a:extLst>
+          </p:cNvPr>
+          <p:cNvSpPr txBox="1"/>
+          <p:nvPr/>
+        </p:nvSpPr>
+        <p:spPr>
+          <a:xfrm>
+            <a:off x="469361" y="1419719"/>
+            <a:ext cx="1583176" cy="769441"/>
+          </a:xfrm>
+          <a:prstGeom prst="rect">
+            <a:avLst/>
+          </a:prstGeom>
+          <a:noFill/>
+          <a:ln>
+            <a:solidFill>
+              <a:schemeClr val="accent5">
+                <a:lumMod val="60000"/>
+                <a:lumOff val="40000"/>
+              </a:schemeClr>
+            </a:solidFill>
+          </a:ln>
+        </p:spPr>
+        <p:txBody>
+          <a:bodyPr wrap="square" rtlCol="0">
+            <a:spAutoFit/>
+          </a:bodyPr>
+          <a:lstStyle/>
+          <a:p>
+            <a:pPr algn="ctr"/>
+            <a:r>
+              <a:rPr lang="pt-BR" sz="1100" b="1" dirty="0">
+                <a:solidFill>
+                  <a:schemeClr val="bg1"/>
+                </a:solidFill>
+              </a:rPr>
+              <a:t>Seus projetos/repositórios criados ou copiados</a:t>
+            </a:r>
+            <a:br>
+              <a:rPr lang="pt-BR" sz="1100" b="1" dirty="0">
+                <a:solidFill>
+                  <a:schemeClr val="bg1"/>
+                </a:solidFill>
+              </a:rPr>
+            </a:br>
+            <a:r>
+              <a:rPr lang="pt-BR" sz="1100" b="1" dirty="0">
+                <a:solidFill>
+                  <a:schemeClr val="bg1"/>
+                </a:solidFill>
+              </a:rPr>
+              <a:t>(</a:t>
+            </a:r>
+            <a:r>
+              <a:rPr lang="pt-BR" sz="1100" b="1" dirty="0" err="1">
+                <a:solidFill>
+                  <a:schemeClr val="bg1"/>
+                </a:solidFill>
+              </a:rPr>
+              <a:t>cloned</a:t>
+            </a:r>
+            <a:r>
+              <a:rPr lang="pt-BR" sz="1100" b="1" dirty="0">
+                <a:solidFill>
+                  <a:schemeClr val="bg1"/>
+                </a:solidFill>
+              </a:rPr>
+              <a:t>)</a:t>
+            </a:r>
+            <a:endParaRPr lang="en-US" sz="1100" b="1" dirty="0">
+              <a:solidFill>
+                <a:schemeClr val="bg1"/>
+              </a:solidFill>
+            </a:endParaRPr>
+          </a:p>
+        </p:txBody>
+      </p:sp>
+      <p:sp>
+        <p:nvSpPr>
+          <p:cNvPr id="15" name="CaixaDeTexto 14">
+            <a:extLst>
+              <a:ext uri="{FF2B5EF4-FFF2-40B4-BE49-F238E27FC236}">
+                <a16:creationId xmlns:a16="http://schemas.microsoft.com/office/drawing/2014/main" id="{B2B76F36-E355-7268-5489-1F22569EE56A}"/>
+              </a:ext>
+            </a:extLst>
+          </p:cNvPr>
+          <p:cNvSpPr txBox="1"/>
+          <p:nvPr/>
+        </p:nvSpPr>
+        <p:spPr>
+          <a:xfrm>
+            <a:off x="10548026" y="3167402"/>
+            <a:ext cx="1167318" cy="600164"/>
+          </a:xfrm>
+          <a:prstGeom prst="rect">
+            <a:avLst/>
+          </a:prstGeom>
+          <a:noFill/>
+        </p:spPr>
+        <p:txBody>
+          <a:bodyPr wrap="square" rtlCol="0">
+            <a:spAutoFit/>
+          </a:bodyPr>
+          <a:lstStyle/>
+          <a:p>
+            <a:pPr algn="ctr"/>
+            <a:r>
+              <a:rPr lang="pt-BR" sz="1100" b="1" dirty="0">
+                <a:solidFill>
+                  <a:schemeClr val="bg1"/>
+                </a:solidFill>
+              </a:rPr>
+              <a:t>Criando um novo repositório</a:t>
+            </a:r>
+            <a:endParaRPr lang="en-US" sz="1100" b="1" dirty="0">
+              <a:solidFill>
+                <a:schemeClr val="bg1"/>
+              </a:solidFill>
+            </a:endParaRPr>
+          </a:p>
+        </p:txBody>
+      </p:sp>
+    </p:spTree>
+    <p:extLst>
+      <p:ext uri="{BB962C8B-B14F-4D97-AF65-F5344CB8AC3E}">
+        <p14:creationId xmlns:p14="http://schemas.microsoft.com/office/powerpoint/2010/main" val="1613121542"/>
+      </p:ext>
+    </p:extLst>
+  </p:cSld>
+  <p:clrMapOvr>
+    <a:masterClrMapping/>
+  </p:clrMapOvr>
+</p:sld>
+</file>
+
+<file path=ppt/slides/slide27.xml><?xml version="1.0" encoding="utf-8"?>
+<p:sld xmlns:a="http://schemas.openxmlformats.org/drawingml/2006/main" xmlns:r="http://schemas.openxmlformats.org/officeDocument/2006/relationships" xmlns:p="http://schemas.openxmlformats.org/presentationml/2006/main">
+  <p:cSld>
+    <p:spTree>
+      <p:nvGrpSpPr>
+        <p:cNvPr id="1" name="">
+          <a:extLst>
+            <a:ext uri="{FF2B5EF4-FFF2-40B4-BE49-F238E27FC236}">
+              <a16:creationId xmlns:a16="http://schemas.microsoft.com/office/drawing/2014/main" id="{4B803FB7-423E-2386-76DA-9EE660F5CB68}"/>
+            </a:ext>
+          </a:extLst>
+        </p:cNvPr>
+        <p:cNvGrpSpPr/>
+        <p:nvPr/>
+      </p:nvGrpSpPr>
+      <p:grpSpPr>
+        <a:xfrm>
+          <a:off x="0" y="0"/>
+          <a:ext cx="0" cy="0"/>
+          <a:chOff x="0" y="0"/>
+          <a:chExt cx="0" cy="0"/>
+        </a:xfrm>
+      </p:grpSpPr>
+      <p:sp>
+        <p:nvSpPr>
+          <p:cNvPr id="2" name="Título 1">
+            <a:extLst>
+              <a:ext uri="{FF2B5EF4-FFF2-40B4-BE49-F238E27FC236}">
+                <a16:creationId xmlns:a16="http://schemas.microsoft.com/office/drawing/2014/main" id="{FB938603-286A-E375-CBF6-EA9F61EA582A}"/>
+              </a:ext>
+            </a:extLst>
+          </p:cNvPr>
+          <p:cNvSpPr>
+            <a:spLocks noGrp="1"/>
+          </p:cNvSpPr>
+          <p:nvPr>
+            <p:ph type="title"/>
+          </p:nvPr>
+        </p:nvSpPr>
+        <p:spPr>
+          <a:xfrm>
+            <a:off x="0" y="0"/>
+            <a:ext cx="11945566" cy="931739"/>
+          </a:xfrm>
+        </p:spPr>
+        <p:txBody>
+          <a:bodyPr>
+            <a:normAutofit/>
+          </a:bodyPr>
+          <a:lstStyle/>
+          <a:p>
+            <a:r>
+              <a:rPr lang="en-US" b="1" dirty="0" err="1">
+                <a:solidFill>
+                  <a:srgbClr val="6E4F8A"/>
+                </a:solidFill>
+              </a:rPr>
+              <a:t>Baixando</a:t>
+            </a:r>
+            <a:r>
+              <a:rPr lang="en-US" b="1" dirty="0">
+                <a:solidFill>
+                  <a:srgbClr val="6E4F8A"/>
+                </a:solidFill>
+              </a:rPr>
+              <a:t> um </a:t>
+            </a:r>
+            <a:r>
+              <a:rPr lang="en-US" b="1" dirty="0" err="1">
+                <a:solidFill>
+                  <a:srgbClr val="6E4F8A"/>
+                </a:solidFill>
+              </a:rPr>
+              <a:t>repositório</a:t>
+            </a:r>
+            <a:r>
+              <a:rPr lang="en-US" b="1" dirty="0">
+                <a:solidFill>
+                  <a:srgbClr val="6E4F8A"/>
+                </a:solidFill>
+              </a:rPr>
+              <a:t> do GitHub no RStudio</a:t>
+            </a:r>
+          </a:p>
+        </p:txBody>
+      </p:sp>
+      <p:sp>
+        <p:nvSpPr>
+          <p:cNvPr id="13" name="Espaço Reservado para Número de Slide 12">
+            <a:extLst>
+              <a:ext uri="{FF2B5EF4-FFF2-40B4-BE49-F238E27FC236}">
+                <a16:creationId xmlns:a16="http://schemas.microsoft.com/office/drawing/2014/main" id="{D2899814-15EC-5321-C385-03D5E6472494}"/>
+              </a:ext>
+            </a:extLst>
+          </p:cNvPr>
+          <p:cNvSpPr>
+            <a:spLocks noGrp="1"/>
+          </p:cNvSpPr>
+          <p:nvPr>
+            <p:ph type="sldNum" sz="quarter" idx="12"/>
+          </p:nvPr>
+        </p:nvSpPr>
+        <p:spPr/>
+        <p:txBody>
+          <a:bodyPr/>
+          <a:lstStyle/>
+          <a:p>
+            <a:fld id="{79B5B39C-3780-455C-80CA-14351220CBC6}" type="slidenum">
+              <a:rPr lang="en-US" smtClean="0"/>
+              <a:t>27</a:t>
+            </a:fld>
+            <a:endParaRPr lang="en-US"/>
+          </a:p>
+        </p:txBody>
+      </p:sp>
+      <p:sp>
+        <p:nvSpPr>
+          <p:cNvPr id="4" name="CaixaDeTexto 3">
+            <a:extLst>
+              <a:ext uri="{FF2B5EF4-FFF2-40B4-BE49-F238E27FC236}">
+                <a16:creationId xmlns:a16="http://schemas.microsoft.com/office/drawing/2014/main" id="{F999B104-8F88-6B9C-866E-85F67EC91E5F}"/>
+              </a:ext>
+            </a:extLst>
+          </p:cNvPr>
+          <p:cNvSpPr txBox="1"/>
+          <p:nvPr/>
+        </p:nvSpPr>
+        <p:spPr>
+          <a:xfrm>
+            <a:off x="2313560" y="6083539"/>
+            <a:ext cx="7668640" cy="276999"/>
+          </a:xfrm>
+          <a:prstGeom prst="rect">
+            <a:avLst/>
+          </a:prstGeom>
+          <a:noFill/>
+          <a:ln>
+            <a:solidFill>
+              <a:srgbClr val="C00000"/>
+            </a:solidFill>
+          </a:ln>
+        </p:spPr>
+        <p:txBody>
+          <a:bodyPr wrap="square">
+            <a:spAutoFit/>
+          </a:bodyPr>
+          <a:lstStyle/>
+          <a:p>
+            <a:r>
+              <a:rPr lang="en-US" sz="1200" dirty="0">
+                <a:hlinkClick r:id="rId2"/>
+              </a:rPr>
+              <a:t>https://github.com/souzayuri/LABIC_curso_introducao_a_manejo_visualizacao_e_analise_de_dados_com_R</a:t>
+            </a:r>
+            <a:endParaRPr lang="en-US" sz="1200" dirty="0"/>
+          </a:p>
+        </p:txBody>
+      </p:sp>
+      <p:pic>
+        <p:nvPicPr>
+          <p:cNvPr id="6" name="Imagem 5" descr="Tela de computador com jogo&#10;&#10;O conteúdo gerado por IA pode estar incorreto.">
+            <a:extLst>
+              <a:ext uri="{FF2B5EF4-FFF2-40B4-BE49-F238E27FC236}">
+                <a16:creationId xmlns:a16="http://schemas.microsoft.com/office/drawing/2014/main" id="{00F50BDD-1574-2012-F381-280D3935079B}"/>
+              </a:ext>
+            </a:extLst>
+          </p:cNvPr>
+          <p:cNvPicPr>
+            <a:picLocks noChangeAspect="1"/>
+          </p:cNvPicPr>
+          <p:nvPr/>
+        </p:nvPicPr>
+        <p:blipFill>
+          <a:blip r:embed="rId3">
+            <a:extLst>
+              <a:ext uri="{28A0092B-C50C-407E-A947-70E740481C1C}">
+                <a14:useLocalDpi xmlns:a14="http://schemas.microsoft.com/office/drawing/2010/main" val="0"/>
+              </a:ext>
+            </a:extLst>
+          </a:blip>
+          <a:stretch>
+            <a:fillRect/>
+          </a:stretch>
+        </p:blipFill>
+        <p:spPr>
+          <a:xfrm>
+            <a:off x="0" y="813661"/>
+            <a:ext cx="12192000" cy="5230678"/>
+          </a:xfrm>
+          <a:prstGeom prst="rect">
+            <a:avLst/>
+          </a:prstGeom>
+        </p:spPr>
+      </p:pic>
+    </p:spTree>
+    <p:extLst>
+      <p:ext uri="{BB962C8B-B14F-4D97-AF65-F5344CB8AC3E}">
+        <p14:creationId xmlns:p14="http://schemas.microsoft.com/office/powerpoint/2010/main" val="201010472"/>
+      </p:ext>
+    </p:extLst>
+  </p:cSld>
+  <p:clrMapOvr>
+    <a:masterClrMapping/>
+  </p:clrMapOvr>
+</p:sld>
+</file>
+
+<file path=ppt/slides/slide28.xml><?xml version="1.0" encoding="utf-8"?>
+<p:sld xmlns:a="http://schemas.openxmlformats.org/drawingml/2006/main" xmlns:r="http://schemas.openxmlformats.org/officeDocument/2006/relationships" xmlns:p="http://schemas.openxmlformats.org/presentationml/2006/main">
+  <p:cSld>
+    <p:spTree>
+      <p:nvGrpSpPr>
+        <p:cNvPr id="1" name="">
+          <a:extLst>
+            <a:ext uri="{FF2B5EF4-FFF2-40B4-BE49-F238E27FC236}">
+              <a16:creationId xmlns:a16="http://schemas.microsoft.com/office/drawing/2014/main" id="{A225EBA2-DD1D-72DF-5321-DFA92B28D6FD}"/>
+            </a:ext>
+          </a:extLst>
+        </p:cNvPr>
+        <p:cNvGrpSpPr/>
+        <p:nvPr/>
+      </p:nvGrpSpPr>
+      <p:grpSpPr>
+        <a:xfrm>
+          <a:off x="0" y="0"/>
+          <a:ext cx="0" cy="0"/>
+          <a:chOff x="0" y="0"/>
+          <a:chExt cx="0" cy="0"/>
+        </a:xfrm>
+      </p:grpSpPr>
+      <p:sp>
+        <p:nvSpPr>
+          <p:cNvPr id="2" name="Título 1">
+            <a:extLst>
+              <a:ext uri="{FF2B5EF4-FFF2-40B4-BE49-F238E27FC236}">
+                <a16:creationId xmlns:a16="http://schemas.microsoft.com/office/drawing/2014/main" id="{8BF41AED-4A13-6038-B1C9-FA10AEBDA55D}"/>
+              </a:ext>
+            </a:extLst>
+          </p:cNvPr>
+          <p:cNvSpPr>
+            <a:spLocks noGrp="1"/>
+          </p:cNvSpPr>
+          <p:nvPr>
+            <p:ph type="title"/>
+          </p:nvPr>
+        </p:nvSpPr>
+        <p:spPr>
+          <a:xfrm>
+            <a:off x="0" y="0"/>
+            <a:ext cx="11945566" cy="931739"/>
+          </a:xfrm>
+        </p:spPr>
+        <p:txBody>
+          <a:bodyPr>
+            <a:normAutofit/>
+          </a:bodyPr>
+          <a:lstStyle/>
+          <a:p>
+            <a:r>
+              <a:rPr lang="en-US" b="1" dirty="0" err="1">
+                <a:solidFill>
+                  <a:srgbClr val="6E4F8A"/>
+                </a:solidFill>
+              </a:rPr>
+              <a:t>Baixando</a:t>
+            </a:r>
+            <a:r>
+              <a:rPr lang="en-US" b="1" dirty="0">
+                <a:solidFill>
+                  <a:srgbClr val="6E4F8A"/>
+                </a:solidFill>
+              </a:rPr>
+              <a:t> um </a:t>
+            </a:r>
+            <a:r>
+              <a:rPr lang="en-US" b="1" dirty="0" err="1">
+                <a:solidFill>
+                  <a:srgbClr val="6E4F8A"/>
+                </a:solidFill>
+              </a:rPr>
+              <a:t>repositório</a:t>
+            </a:r>
+            <a:r>
+              <a:rPr lang="en-US" b="1" dirty="0">
+                <a:solidFill>
+                  <a:srgbClr val="6E4F8A"/>
+                </a:solidFill>
+              </a:rPr>
+              <a:t> do GitHub no RStudio</a:t>
+            </a:r>
+          </a:p>
+        </p:txBody>
+      </p:sp>
+      <p:sp>
+        <p:nvSpPr>
+          <p:cNvPr id="13" name="Espaço Reservado para Número de Slide 12">
+            <a:extLst>
+              <a:ext uri="{FF2B5EF4-FFF2-40B4-BE49-F238E27FC236}">
+                <a16:creationId xmlns:a16="http://schemas.microsoft.com/office/drawing/2014/main" id="{CD59FED3-8AEF-1E24-A390-C8097BABD86B}"/>
+              </a:ext>
+            </a:extLst>
+          </p:cNvPr>
+          <p:cNvSpPr>
+            <a:spLocks noGrp="1"/>
+          </p:cNvSpPr>
+          <p:nvPr>
+            <p:ph type="sldNum" sz="quarter" idx="12"/>
+          </p:nvPr>
+        </p:nvSpPr>
+        <p:spPr/>
+        <p:txBody>
+          <a:bodyPr/>
+          <a:lstStyle/>
+          <a:p>
+            <a:fld id="{79B5B39C-3780-455C-80CA-14351220CBC6}" type="slidenum">
+              <a:rPr lang="en-US" smtClean="0"/>
+              <a:t>28</a:t>
+            </a:fld>
+            <a:endParaRPr lang="en-US"/>
+          </a:p>
+        </p:txBody>
+      </p:sp>
+      <p:sp>
+        <p:nvSpPr>
+          <p:cNvPr id="4" name="CaixaDeTexto 3">
+            <a:extLst>
+              <a:ext uri="{FF2B5EF4-FFF2-40B4-BE49-F238E27FC236}">
+                <a16:creationId xmlns:a16="http://schemas.microsoft.com/office/drawing/2014/main" id="{AA3A3FF8-2383-C359-3757-16A5FFDA8ECD}"/>
+              </a:ext>
+            </a:extLst>
+          </p:cNvPr>
+          <p:cNvSpPr txBox="1"/>
+          <p:nvPr/>
+        </p:nvSpPr>
+        <p:spPr>
+          <a:xfrm>
+            <a:off x="2313560" y="6083539"/>
+            <a:ext cx="7668640" cy="276999"/>
+          </a:xfrm>
+          <a:prstGeom prst="rect">
+            <a:avLst/>
+          </a:prstGeom>
+          <a:noFill/>
+          <a:ln>
+            <a:solidFill>
+              <a:srgbClr val="C00000"/>
+            </a:solidFill>
+          </a:ln>
+        </p:spPr>
+        <p:txBody>
+          <a:bodyPr wrap="square">
+            <a:spAutoFit/>
+          </a:bodyPr>
+          <a:lstStyle/>
+          <a:p>
+            <a:r>
+              <a:rPr lang="en-US" sz="1200" dirty="0">
+                <a:hlinkClick r:id="rId2"/>
+              </a:rPr>
+              <a:t>https://github.com/souzayuri/LABIC_curso_introducao_a_manejo_visualizacao_e_analise_de_dados_com_R</a:t>
+            </a:r>
+            <a:endParaRPr lang="en-US" sz="1200" dirty="0"/>
+          </a:p>
+        </p:txBody>
+      </p:sp>
+      <p:pic>
+        <p:nvPicPr>
+          <p:cNvPr id="5" name="Imagem 4" descr="Tela de computador com fundo preto&#10;&#10;O conteúdo gerado por IA pode estar incorreto.">
+            <a:extLst>
+              <a:ext uri="{FF2B5EF4-FFF2-40B4-BE49-F238E27FC236}">
+                <a16:creationId xmlns:a16="http://schemas.microsoft.com/office/drawing/2014/main" id="{FA178489-CD71-3C2E-7C9C-B13233CE52C5}"/>
+              </a:ext>
+            </a:extLst>
+          </p:cNvPr>
+          <p:cNvPicPr>
+            <a:picLocks noChangeAspect="1"/>
+          </p:cNvPicPr>
+          <p:nvPr/>
+        </p:nvPicPr>
+        <p:blipFill>
+          <a:blip r:embed="rId3">
+            <a:extLst>
+              <a:ext uri="{28A0092B-C50C-407E-A947-70E740481C1C}">
+                <a14:useLocalDpi xmlns:a14="http://schemas.microsoft.com/office/drawing/2010/main" val="0"/>
+              </a:ext>
+            </a:extLst>
+          </a:blip>
+          <a:stretch>
+            <a:fillRect/>
+          </a:stretch>
+        </p:blipFill>
+        <p:spPr>
+          <a:xfrm>
+            <a:off x="0" y="759992"/>
+            <a:ext cx="12192000" cy="5338015"/>
+          </a:xfrm>
+          <a:prstGeom prst="rect">
+            <a:avLst/>
+          </a:prstGeom>
+        </p:spPr>
+      </p:pic>
+      <p:sp>
+        <p:nvSpPr>
+          <p:cNvPr id="7" name="Retângulo 6">
+            <a:extLst>
+              <a:ext uri="{FF2B5EF4-FFF2-40B4-BE49-F238E27FC236}">
+                <a16:creationId xmlns:a16="http://schemas.microsoft.com/office/drawing/2014/main" id="{9AB1F926-1E20-6673-B970-A39662A8DA65}"/>
+              </a:ext>
+            </a:extLst>
+          </p:cNvPr>
+          <p:cNvSpPr/>
+          <p:nvPr/>
+        </p:nvSpPr>
+        <p:spPr>
+          <a:xfrm>
+            <a:off x="7247106" y="1933686"/>
+            <a:ext cx="768485" cy="245310"/>
+          </a:xfrm>
+          <a:prstGeom prst="rect">
+            <a:avLst/>
+          </a:prstGeom>
+          <a:noFill/>
+          <a:ln>
+            <a:solidFill>
+              <a:srgbClr val="FF0000"/>
+            </a:solidFill>
+          </a:ln>
+        </p:spPr>
+        <p:style>
+          <a:lnRef idx="2">
+            <a:schemeClr val="accent1">
+              <a:shade val="15000"/>
+            </a:schemeClr>
+          </a:lnRef>
+          <a:fillRef idx="1">
+            <a:schemeClr val="accent1"/>
+          </a:fillRef>
+          <a:effectRef idx="0">
+            <a:schemeClr val="accent1"/>
+          </a:effectRef>
+          <a:fontRef idx="minor">
+            <a:schemeClr val="lt1"/>
+          </a:fontRef>
+        </p:style>
+        <p:txBody>
+          <a:bodyPr rtlCol="0" anchor="ctr"/>
+          <a:lstStyle/>
+          <a:p>
+            <a:pPr algn="r"/>
+            <a:endParaRPr lang="en-US"/>
+          </a:p>
+        </p:txBody>
+      </p:sp>
+      <p:sp>
+        <p:nvSpPr>
+          <p:cNvPr id="8" name="Retângulo 7">
+            <a:extLst>
+              <a:ext uri="{FF2B5EF4-FFF2-40B4-BE49-F238E27FC236}">
+                <a16:creationId xmlns:a16="http://schemas.microsoft.com/office/drawing/2014/main" id="{8C7C6E14-13BF-A444-4340-A908B5805266}"/>
+              </a:ext>
+            </a:extLst>
+          </p:cNvPr>
+          <p:cNvSpPr/>
+          <p:nvPr/>
+        </p:nvSpPr>
+        <p:spPr>
+          <a:xfrm>
+            <a:off x="7631348" y="3058288"/>
+            <a:ext cx="238329" cy="245310"/>
+          </a:xfrm>
+          <a:prstGeom prst="rect">
+            <a:avLst/>
+          </a:prstGeom>
+          <a:noFill/>
+          <a:ln>
+            <a:solidFill>
+              <a:srgbClr val="FF0000"/>
+            </a:solidFill>
+          </a:ln>
+        </p:spPr>
+        <p:style>
+          <a:lnRef idx="2">
+            <a:schemeClr val="accent1">
+              <a:shade val="15000"/>
+            </a:schemeClr>
+          </a:lnRef>
+          <a:fillRef idx="1">
+            <a:schemeClr val="accent1"/>
+          </a:fillRef>
+          <a:effectRef idx="0">
+            <a:schemeClr val="accent1"/>
+          </a:effectRef>
+          <a:fontRef idx="minor">
+            <a:schemeClr val="lt1"/>
+          </a:fontRef>
+        </p:style>
+        <p:txBody>
+          <a:bodyPr rtlCol="0" anchor="ctr"/>
+          <a:lstStyle/>
+          <a:p>
+            <a:pPr algn="r"/>
+            <a:endParaRPr lang="en-US"/>
+          </a:p>
+        </p:txBody>
+      </p:sp>
+      <p:sp>
+        <p:nvSpPr>
+          <p:cNvPr id="9" name="Elipse 8">
+            <a:extLst>
+              <a:ext uri="{FF2B5EF4-FFF2-40B4-BE49-F238E27FC236}">
+                <a16:creationId xmlns:a16="http://schemas.microsoft.com/office/drawing/2014/main" id="{54F30BD6-D7C7-F080-E299-2041E3A7E736}"/>
+              </a:ext>
+            </a:extLst>
+          </p:cNvPr>
+          <p:cNvSpPr/>
+          <p:nvPr/>
+        </p:nvSpPr>
+        <p:spPr>
+          <a:xfrm>
+            <a:off x="8015591" y="1730872"/>
+            <a:ext cx="202814" cy="202814"/>
+          </a:xfrm>
+          <a:prstGeom prst="ellipse">
+            <a:avLst/>
+          </a:prstGeom>
+          <a:solidFill>
+            <a:srgbClr val="7030A0"/>
+          </a:solidFill>
+        </p:spPr>
+        <p:style>
+          <a:lnRef idx="2">
+            <a:schemeClr val="accent1">
+              <a:shade val="15000"/>
+            </a:schemeClr>
+          </a:lnRef>
+          <a:fillRef idx="1">
+            <a:schemeClr val="accent1"/>
+          </a:fillRef>
+          <a:effectRef idx="0">
+            <a:schemeClr val="accent1"/>
+          </a:effectRef>
+          <a:fontRef idx="minor">
+            <a:schemeClr val="lt1"/>
+          </a:fontRef>
+        </p:style>
+        <p:txBody>
+          <a:bodyPr rtlCol="0" anchor="ctr"/>
+          <a:lstStyle/>
+          <a:p>
+            <a:pPr algn="ctr"/>
+            <a:r>
+              <a:rPr lang="en-US" sz="1200" dirty="0"/>
+              <a:t>1</a:t>
+            </a:r>
+          </a:p>
+        </p:txBody>
+      </p:sp>
+      <p:sp>
+        <p:nvSpPr>
+          <p:cNvPr id="10" name="Elipse 9">
+            <a:extLst>
+              <a:ext uri="{FF2B5EF4-FFF2-40B4-BE49-F238E27FC236}">
+                <a16:creationId xmlns:a16="http://schemas.microsoft.com/office/drawing/2014/main" id="{E4C63591-4D8E-D1FD-FDE9-253145FB6301}"/>
+              </a:ext>
+            </a:extLst>
+          </p:cNvPr>
+          <p:cNvSpPr/>
+          <p:nvPr/>
+        </p:nvSpPr>
+        <p:spPr>
+          <a:xfrm>
+            <a:off x="7649105" y="2795757"/>
+            <a:ext cx="202814" cy="202814"/>
+          </a:xfrm>
+          <a:prstGeom prst="ellipse">
+            <a:avLst/>
+          </a:prstGeom>
+          <a:solidFill>
+            <a:srgbClr val="7030A0"/>
+          </a:solidFill>
+        </p:spPr>
+        <p:style>
+          <a:lnRef idx="2">
+            <a:schemeClr val="accent1">
+              <a:shade val="15000"/>
+            </a:schemeClr>
+          </a:lnRef>
+          <a:fillRef idx="1">
+            <a:schemeClr val="accent1"/>
+          </a:fillRef>
+          <a:effectRef idx="0">
+            <a:schemeClr val="accent1"/>
+          </a:effectRef>
+          <a:fontRef idx="minor">
+            <a:schemeClr val="lt1"/>
+          </a:fontRef>
+        </p:style>
+        <p:txBody>
+          <a:bodyPr rtlCol="0" anchor="ctr"/>
+          <a:lstStyle/>
+          <a:p>
+            <a:pPr algn="ctr"/>
+            <a:r>
+              <a:rPr lang="en-US" sz="1200" dirty="0"/>
+              <a:t>2</a:t>
+            </a:r>
+          </a:p>
+        </p:txBody>
+      </p:sp>
+    </p:spTree>
+    <p:extLst>
+      <p:ext uri="{BB962C8B-B14F-4D97-AF65-F5344CB8AC3E}">
+        <p14:creationId xmlns:p14="http://schemas.microsoft.com/office/powerpoint/2010/main" val="577571490"/>
+      </p:ext>
+    </p:extLst>
+  </p:cSld>
+  <p:clrMapOvr>
+    <a:masterClrMapping/>
+  </p:clrMapOvr>
+</p:sld>
+</file>
+
+<file path=ppt/slides/slide29.xml><?xml version="1.0" encoding="utf-8"?>
+<p:sld xmlns:a="http://schemas.openxmlformats.org/drawingml/2006/main" xmlns:r="http://schemas.openxmlformats.org/officeDocument/2006/relationships" xmlns:p="http://schemas.openxmlformats.org/presentationml/2006/main">
+  <p:cSld>
+    <p:spTree>
+      <p:nvGrpSpPr>
+        <p:cNvPr id="1" name="">
+          <a:extLst>
+            <a:ext uri="{FF2B5EF4-FFF2-40B4-BE49-F238E27FC236}">
+              <a16:creationId xmlns:a16="http://schemas.microsoft.com/office/drawing/2014/main" id="{E6D84F70-515F-49E6-B47B-29F73869919B}"/>
+            </a:ext>
+          </a:extLst>
+        </p:cNvPr>
+        <p:cNvGrpSpPr/>
+        <p:nvPr/>
+      </p:nvGrpSpPr>
+      <p:grpSpPr>
+        <a:xfrm>
+          <a:off x="0" y="0"/>
+          <a:ext cx="0" cy="0"/>
+          <a:chOff x="0" y="0"/>
+          <a:chExt cx="0" cy="0"/>
+        </a:xfrm>
+      </p:grpSpPr>
+      <p:sp>
+        <p:nvSpPr>
+          <p:cNvPr id="2" name="Título 1">
+            <a:extLst>
+              <a:ext uri="{FF2B5EF4-FFF2-40B4-BE49-F238E27FC236}">
+                <a16:creationId xmlns:a16="http://schemas.microsoft.com/office/drawing/2014/main" id="{D95DCF61-698C-5D49-D61E-9B5A05FE3FE6}"/>
+              </a:ext>
+            </a:extLst>
+          </p:cNvPr>
+          <p:cNvSpPr>
+            <a:spLocks noGrp="1"/>
+          </p:cNvSpPr>
+          <p:nvPr>
+            <p:ph type="title"/>
+          </p:nvPr>
+        </p:nvSpPr>
+        <p:spPr>
+          <a:xfrm>
+            <a:off x="0" y="0"/>
+            <a:ext cx="5523271" cy="931739"/>
+          </a:xfrm>
+        </p:spPr>
+        <p:txBody>
+          <a:bodyPr>
+            <a:normAutofit/>
+          </a:bodyPr>
+          <a:lstStyle/>
+          <a:p>
+            <a:r>
+              <a:rPr lang="en-US" b="1" dirty="0" err="1">
+                <a:solidFill>
+                  <a:srgbClr val="6E4F8A"/>
+                </a:solidFill>
+              </a:rPr>
+              <a:t>Instalando</a:t>
+            </a:r>
+            <a:r>
+              <a:rPr lang="en-US" b="1" dirty="0">
+                <a:solidFill>
+                  <a:srgbClr val="6E4F8A"/>
+                </a:solidFill>
+              </a:rPr>
+              <a:t> Git</a:t>
+            </a:r>
+          </a:p>
+        </p:txBody>
+      </p:sp>
+      <p:sp>
+        <p:nvSpPr>
+          <p:cNvPr id="13" name="Espaço Reservado para Número de Slide 12">
+            <a:extLst>
+              <a:ext uri="{FF2B5EF4-FFF2-40B4-BE49-F238E27FC236}">
+                <a16:creationId xmlns:a16="http://schemas.microsoft.com/office/drawing/2014/main" id="{EA7E4358-293A-ECAA-9209-E7B9CF85E111}"/>
+              </a:ext>
+            </a:extLst>
+          </p:cNvPr>
+          <p:cNvSpPr>
+            <a:spLocks noGrp="1"/>
+          </p:cNvSpPr>
+          <p:nvPr>
+            <p:ph type="sldNum" sz="quarter" idx="12"/>
+          </p:nvPr>
+        </p:nvSpPr>
+        <p:spPr/>
+        <p:txBody>
+          <a:bodyPr/>
+          <a:lstStyle/>
+          <a:p>
+            <a:fld id="{79B5B39C-3780-455C-80CA-14351220CBC6}" type="slidenum">
+              <a:rPr lang="en-US" smtClean="0"/>
+              <a:t>29</a:t>
+            </a:fld>
+            <a:endParaRPr lang="en-US"/>
+          </a:p>
+        </p:txBody>
+      </p:sp>
+      <p:pic>
+        <p:nvPicPr>
+          <p:cNvPr id="4" name="Imagem 3" descr="Tela de computador com texto preto sobre fundo branco&#10;&#10;O conteúdo gerado por IA pode estar incorreto.">
+            <a:extLst>
+              <a:ext uri="{FF2B5EF4-FFF2-40B4-BE49-F238E27FC236}">
+                <a16:creationId xmlns:a16="http://schemas.microsoft.com/office/drawing/2014/main" id="{A1B1C35A-E1A7-7E16-3CBF-FDB38FAD29E6}"/>
+              </a:ext>
+            </a:extLst>
+          </p:cNvPr>
+          <p:cNvPicPr>
+            <a:picLocks noChangeAspect="1"/>
+          </p:cNvPicPr>
+          <p:nvPr/>
+        </p:nvPicPr>
+        <p:blipFill>
+          <a:blip r:embed="rId2">
+            <a:extLst>
+              <a:ext uri="{28A0092B-C50C-407E-A947-70E740481C1C}">
+                <a14:useLocalDpi xmlns:a14="http://schemas.microsoft.com/office/drawing/2010/main" val="0"/>
+              </a:ext>
+            </a:extLst>
+          </a:blip>
+          <a:stretch>
+            <a:fillRect/>
+          </a:stretch>
+        </p:blipFill>
+        <p:spPr>
+          <a:xfrm>
+            <a:off x="2189150" y="818231"/>
+            <a:ext cx="7813700" cy="5903244"/>
+          </a:xfrm>
+          <a:prstGeom prst="rect">
+            <a:avLst/>
+          </a:prstGeom>
+        </p:spPr>
+      </p:pic>
+    </p:spTree>
+    <p:extLst>
+      <p:ext uri="{BB962C8B-B14F-4D97-AF65-F5344CB8AC3E}">
+        <p14:creationId xmlns:p14="http://schemas.microsoft.com/office/powerpoint/2010/main" val="2430515958"/>
       </p:ext>
     </p:extLst>
   </p:cSld>
@@ -6744,6 +11824,101 @@
     <p:extLst>
       <p:ext uri="{BB962C8B-B14F-4D97-AF65-F5344CB8AC3E}">
         <p14:creationId xmlns:p14="http://schemas.microsoft.com/office/powerpoint/2010/main" val="4258274679"/>
+      </p:ext>
+    </p:extLst>
+  </p:cSld>
+  <p:clrMapOvr>
+    <a:masterClrMapping/>
+  </p:clrMapOvr>
+</p:sld>
+</file>
+
+<file path=ppt/slides/slide30.xml><?xml version="1.0" encoding="utf-8"?>
+<p:sld xmlns:a="http://schemas.openxmlformats.org/drawingml/2006/main" xmlns:r="http://schemas.openxmlformats.org/officeDocument/2006/relationships" xmlns:p="http://schemas.openxmlformats.org/presentationml/2006/main">
+  <p:cSld>
+    <p:spTree>
+      <p:nvGrpSpPr>
+        <p:cNvPr id="1" name=""/>
+        <p:cNvGrpSpPr/>
+        <p:nvPr/>
+      </p:nvGrpSpPr>
+      <p:grpSpPr>
+        <a:xfrm>
+          <a:off x="0" y="0"/>
+          <a:ext cx="0" cy="0"/>
+          <a:chOff x="0" y="0"/>
+          <a:chExt cx="0" cy="0"/>
+        </a:xfrm>
+      </p:grpSpPr>
+      <p:sp>
+        <p:nvSpPr>
+          <p:cNvPr id="4" name="Espaço Reservado para Número de Slide 3">
+            <a:extLst>
+              <a:ext uri="{FF2B5EF4-FFF2-40B4-BE49-F238E27FC236}">
+                <a16:creationId xmlns:a16="http://schemas.microsoft.com/office/drawing/2014/main" id="{7F8DDF1C-01DA-7CF2-8798-0378E393DF4A}"/>
+              </a:ext>
+            </a:extLst>
+          </p:cNvPr>
+          <p:cNvSpPr>
+            <a:spLocks noGrp="1"/>
+          </p:cNvSpPr>
+          <p:nvPr>
+            <p:ph type="sldNum" sz="quarter" idx="12"/>
+          </p:nvPr>
+        </p:nvSpPr>
+        <p:spPr/>
+        <p:txBody>
+          <a:bodyPr/>
+          <a:lstStyle/>
+          <a:p>
+            <a:fld id="{79B5B39C-3780-455C-80CA-14351220CBC6}" type="slidenum">
+              <a:rPr lang="en-US" smtClean="0"/>
+              <a:t>30</a:t>
+            </a:fld>
+            <a:endParaRPr lang="en-US"/>
+          </a:p>
+        </p:txBody>
+      </p:sp>
+      <p:pic>
+        <p:nvPicPr>
+          <p:cNvPr id="6" name="Imagem 5" descr="Interface gráfica do usuário, Aplicativo&#10;&#10;O conteúdo gerado por IA pode estar incorreto.">
+            <a:extLst>
+              <a:ext uri="{FF2B5EF4-FFF2-40B4-BE49-F238E27FC236}">
+                <a16:creationId xmlns:a16="http://schemas.microsoft.com/office/drawing/2014/main" id="{634EFBE7-1112-4722-1EE7-44320EF00C30}"/>
+              </a:ext>
+            </a:extLst>
+          </p:cNvPr>
+          <p:cNvPicPr>
+            <a:picLocks noChangeAspect="1"/>
+          </p:cNvPicPr>
+          <p:nvPr/>
+        </p:nvPicPr>
+        <p:blipFill>
+          <a:blip r:embed="rId2">
+            <a:extLst>
+              <a:ext uri="{28A0092B-C50C-407E-A947-70E740481C1C}">
+                <a14:useLocalDpi xmlns:a14="http://schemas.microsoft.com/office/drawing/2010/main" val="0"/>
+              </a:ext>
+            </a:extLst>
+          </a:blip>
+          <a:stretch>
+            <a:fillRect/>
+          </a:stretch>
+        </p:blipFill>
+        <p:spPr>
+          <a:xfrm>
+            <a:off x="4143102" y="1738076"/>
+            <a:ext cx="3905795" cy="3381847"/>
+          </a:xfrm>
+          <a:prstGeom prst="rect">
+            <a:avLst/>
+          </a:prstGeom>
+        </p:spPr>
+      </p:pic>
+    </p:spTree>
+    <p:extLst>
+      <p:ext uri="{BB962C8B-B14F-4D97-AF65-F5344CB8AC3E}">
+        <p14:creationId xmlns:p14="http://schemas.microsoft.com/office/powerpoint/2010/main" val="3262097031"/>
       </p:ext>
     </p:extLst>
   </p:cSld>
